--- a/軟體工程期末報告第六組.pptx
+++ b/軟體工程期末報告第六組.pptx
@@ -162,7 +162,7 @@
   </p:defaultTextStyle>
   <p:extLst>
     <p:ext uri="{EFAFB233-063F-42B5-8137-9DF3F51BA10A}">
-      <p15:sldGuideLst xmlns:p15="http://schemas.microsoft.com/office/powerpoint/2012/main">
+      <p15:sldGuideLst xmlns="" xmlns:p15="http://schemas.microsoft.com/office/powerpoint/2012/main">
         <p15:guide id="1" orient="horz" pos="2160">
           <p15:clr>
             <a:srgbClr val="A4A3A4"/>
@@ -309,7 +309,7 @@
             <a:fld id="{0C434B2F-F39F-4671-B38C-F510BE3DB16F}" type="datetime1">
               <a:rPr lang="zh-CN" altLang="en-US"/>
               <a:pPr/>
-              <a:t>2019/1/2</a:t>
+              <a:t>2019/1/9</a:t>
             </a:fld>
             <a:endParaRPr lang="zh-CN" altLang="en-US"/>
           </a:p>
@@ -369,7 +369,7 @@
     </p:spTree>
     <p:extLst>
       <p:ext uri="{BB962C8B-B14F-4D97-AF65-F5344CB8AC3E}">
-        <p14:creationId xmlns:p14="http://schemas.microsoft.com/office/powerpoint/2010/main" val="3396832822"/>
+        <p14:creationId xmlns="" xmlns:p14="http://schemas.microsoft.com/office/powerpoint/2010/main" val="3396832822"/>
       </p:ext>
     </p:extLst>
   </p:cSld>
@@ -491,7 +491,7 @@
             <a:fld id="{0C434B2F-F39F-4671-B38C-F510BE3DB16F}" type="datetime1">
               <a:rPr lang="zh-CN" altLang="en-US"/>
               <a:pPr/>
-              <a:t>2019/1/2</a:t>
+              <a:t>2019/1/9</a:t>
             </a:fld>
             <a:endParaRPr lang="zh-CN" altLang="en-US"/>
           </a:p>
@@ -551,7 +551,7 @@
     </p:spTree>
     <p:extLst>
       <p:ext uri="{BB962C8B-B14F-4D97-AF65-F5344CB8AC3E}">
-        <p14:creationId xmlns:p14="http://schemas.microsoft.com/office/powerpoint/2010/main" val="266403664"/>
+        <p14:creationId xmlns="" xmlns:p14="http://schemas.microsoft.com/office/powerpoint/2010/main" val="266403664"/>
       </p:ext>
     </p:extLst>
   </p:cSld>
@@ -683,7 +683,7 @@
             <a:fld id="{0C434B2F-F39F-4671-B38C-F510BE3DB16F}" type="datetime1">
               <a:rPr lang="zh-CN" altLang="en-US"/>
               <a:pPr/>
-              <a:t>2019/1/2</a:t>
+              <a:t>2019/1/9</a:t>
             </a:fld>
             <a:endParaRPr lang="zh-CN" altLang="en-US"/>
           </a:p>
@@ -743,7 +743,7 @@
     </p:spTree>
     <p:extLst>
       <p:ext uri="{BB962C8B-B14F-4D97-AF65-F5344CB8AC3E}">
-        <p14:creationId xmlns:p14="http://schemas.microsoft.com/office/powerpoint/2010/main" val="422563612"/>
+        <p14:creationId xmlns="" xmlns:p14="http://schemas.microsoft.com/office/powerpoint/2010/main" val="422563612"/>
       </p:ext>
     </p:extLst>
   </p:cSld>
@@ -865,7 +865,7 @@
             <a:fld id="{0C434B2F-F39F-4671-B38C-F510BE3DB16F}" type="datetime1">
               <a:rPr lang="zh-CN" altLang="en-US"/>
               <a:pPr/>
-              <a:t>2019/1/2</a:t>
+              <a:t>2019/1/9</a:t>
             </a:fld>
             <a:endParaRPr lang="zh-CN" altLang="en-US"/>
           </a:p>
@@ -925,7 +925,7 @@
     </p:spTree>
     <p:extLst>
       <p:ext uri="{BB962C8B-B14F-4D97-AF65-F5344CB8AC3E}">
-        <p14:creationId xmlns:p14="http://schemas.microsoft.com/office/powerpoint/2010/main" val="3743799994"/>
+        <p14:creationId xmlns="" xmlns:p14="http://schemas.microsoft.com/office/powerpoint/2010/main" val="3743799994"/>
       </p:ext>
     </p:extLst>
   </p:cSld>
@@ -1070,7 +1070,7 @@
             <a:fld id="{0C434B2F-F39F-4671-B38C-F510BE3DB16F}" type="datetime1">
               <a:rPr lang="zh-CN" altLang="en-US"/>
               <a:pPr/>
-              <a:t>2019/1/2</a:t>
+              <a:t>2019/1/9</a:t>
             </a:fld>
             <a:endParaRPr lang="zh-CN" altLang="en-US"/>
           </a:p>
@@ -1130,7 +1130,7 @@
     </p:spTree>
     <p:extLst>
       <p:ext uri="{BB962C8B-B14F-4D97-AF65-F5344CB8AC3E}">
-        <p14:creationId xmlns:p14="http://schemas.microsoft.com/office/powerpoint/2010/main" val="2157322835"/>
+        <p14:creationId xmlns="" xmlns:p14="http://schemas.microsoft.com/office/powerpoint/2010/main" val="2157322835"/>
       </p:ext>
     </p:extLst>
   </p:cSld>
@@ -1369,7 +1369,7 @@
             <a:fld id="{0C434B2F-F39F-4671-B38C-F510BE3DB16F}" type="datetime1">
               <a:rPr lang="zh-CN" altLang="en-US"/>
               <a:pPr/>
-              <a:t>2019/1/2</a:t>
+              <a:t>2019/1/9</a:t>
             </a:fld>
             <a:endParaRPr lang="zh-CN" altLang="en-US"/>
           </a:p>
@@ -1429,7 +1429,7 @@
     </p:spTree>
     <p:extLst>
       <p:ext uri="{BB962C8B-B14F-4D97-AF65-F5344CB8AC3E}">
-        <p14:creationId xmlns:p14="http://schemas.microsoft.com/office/powerpoint/2010/main" val="481739453"/>
+        <p14:creationId xmlns="" xmlns:p14="http://schemas.microsoft.com/office/powerpoint/2010/main" val="481739453"/>
       </p:ext>
     </p:extLst>
   </p:cSld>
@@ -1802,7 +1802,7 @@
             <a:fld id="{0C434B2F-F39F-4671-B38C-F510BE3DB16F}" type="datetime1">
               <a:rPr lang="zh-CN" altLang="en-US"/>
               <a:pPr/>
-              <a:t>2019/1/2</a:t>
+              <a:t>2019/1/9</a:t>
             </a:fld>
             <a:endParaRPr lang="zh-CN" altLang="en-US"/>
           </a:p>
@@ -1862,7 +1862,7 @@
     </p:spTree>
     <p:extLst>
       <p:ext uri="{BB962C8B-B14F-4D97-AF65-F5344CB8AC3E}">
-        <p14:creationId xmlns:p14="http://schemas.microsoft.com/office/powerpoint/2010/main" val="515003820"/>
+        <p14:creationId xmlns="" xmlns:p14="http://schemas.microsoft.com/office/powerpoint/2010/main" val="515003820"/>
       </p:ext>
     </p:extLst>
   </p:cSld>
@@ -1933,7 +1933,7 @@
             <a:fld id="{0C434B2F-F39F-4671-B38C-F510BE3DB16F}" type="datetime1">
               <a:rPr lang="zh-CN" altLang="en-US"/>
               <a:pPr/>
-              <a:t>2019/1/2</a:t>
+              <a:t>2019/1/9</a:t>
             </a:fld>
             <a:endParaRPr lang="zh-CN" altLang="en-US"/>
           </a:p>
@@ -1993,7 +1993,7 @@
     </p:spTree>
     <p:extLst>
       <p:ext uri="{BB962C8B-B14F-4D97-AF65-F5344CB8AC3E}">
-        <p14:creationId xmlns:p14="http://schemas.microsoft.com/office/powerpoint/2010/main" val="3042827771"/>
+        <p14:creationId xmlns="" xmlns:p14="http://schemas.microsoft.com/office/powerpoint/2010/main" val="3042827771"/>
       </p:ext>
     </p:extLst>
   </p:cSld>
@@ -2042,7 +2042,7 @@
             <a:fld id="{0C434B2F-F39F-4671-B38C-F510BE3DB16F}" type="datetime1">
               <a:rPr lang="zh-CN" altLang="en-US"/>
               <a:pPr/>
-              <a:t>2019/1/2</a:t>
+              <a:t>2019/1/9</a:t>
             </a:fld>
             <a:endParaRPr lang="zh-CN" altLang="en-US"/>
           </a:p>
@@ -2102,7 +2102,7 @@
     </p:spTree>
     <p:extLst>
       <p:ext uri="{BB962C8B-B14F-4D97-AF65-F5344CB8AC3E}">
-        <p14:creationId xmlns:p14="http://schemas.microsoft.com/office/powerpoint/2010/main" val="1190182232"/>
+        <p14:creationId xmlns="" xmlns:p14="http://schemas.microsoft.com/office/powerpoint/2010/main" val="1190182232"/>
       </p:ext>
     </p:extLst>
   </p:cSld>
@@ -2331,7 +2331,7 @@
             <a:fld id="{0C434B2F-F39F-4671-B38C-F510BE3DB16F}" type="datetime1">
               <a:rPr lang="zh-CN" altLang="en-US"/>
               <a:pPr/>
-              <a:t>2019/1/2</a:t>
+              <a:t>2019/1/9</a:t>
             </a:fld>
             <a:endParaRPr lang="zh-CN" altLang="en-US"/>
           </a:p>
@@ -2391,7 +2391,7 @@
     </p:spTree>
     <p:extLst>
       <p:ext uri="{BB962C8B-B14F-4D97-AF65-F5344CB8AC3E}">
-        <p14:creationId xmlns:p14="http://schemas.microsoft.com/office/powerpoint/2010/main" val="2355430197"/>
+        <p14:creationId xmlns="" xmlns:p14="http://schemas.microsoft.com/office/powerpoint/2010/main" val="2355430197"/>
       </p:ext>
     </p:extLst>
   </p:cSld>
@@ -2597,7 +2597,7 @@
             <a:fld id="{0C434B2F-F39F-4671-B38C-F510BE3DB16F}" type="datetime1">
               <a:rPr lang="zh-CN" altLang="en-US"/>
               <a:pPr/>
-              <a:t>2019/1/2</a:t>
+              <a:t>2019/1/9</a:t>
             </a:fld>
             <a:endParaRPr lang="zh-CN" altLang="en-US"/>
           </a:p>
@@ -2657,7 +2657,7 @@
     </p:spTree>
     <p:extLst>
       <p:ext uri="{BB962C8B-B14F-4D97-AF65-F5344CB8AC3E}">
-        <p14:creationId xmlns:p14="http://schemas.microsoft.com/office/powerpoint/2010/main" val="1904835898"/>
+        <p14:creationId xmlns="" xmlns:p14="http://schemas.microsoft.com/office/powerpoint/2010/main" val="1904835898"/>
       </p:ext>
     </p:extLst>
   </p:cSld>
@@ -2716,14 +2716,14 @@
           </a:ln>
           <a:extLst>
             <a:ext uri="{909E8E84-426E-40DD-AFC4-6F175D3DCCD1}">
-              <a14:hiddenFill xmlns:a14="http://schemas.microsoft.com/office/drawing/2010/main">
+              <a14:hiddenFill xmlns="" xmlns:a14="http://schemas.microsoft.com/office/drawing/2010/main">
                 <a:solidFill>
                   <a:srgbClr val="FFFFFF"/>
                 </a:solidFill>
               </a14:hiddenFill>
             </a:ext>
             <a:ext uri="{91240B29-F687-4F45-9708-019B960494DF}">
-              <a14:hiddenLine xmlns:a14="http://schemas.microsoft.com/office/drawing/2010/main" w="9525">
+              <a14:hiddenLine xmlns="" xmlns:a14="http://schemas.microsoft.com/office/drawing/2010/main" w="9525">
                 <a:solidFill>
                   <a:srgbClr val="000000"/>
                 </a:solidFill>
@@ -2776,14 +2776,14 @@
           </a:ln>
           <a:extLst>
             <a:ext uri="{909E8E84-426E-40DD-AFC4-6F175D3DCCD1}">
-              <a14:hiddenFill xmlns:a14="http://schemas.microsoft.com/office/drawing/2010/main">
+              <a14:hiddenFill xmlns="" xmlns:a14="http://schemas.microsoft.com/office/drawing/2010/main">
                 <a:solidFill>
                   <a:srgbClr val="FFFFFF"/>
                 </a:solidFill>
               </a14:hiddenFill>
             </a:ext>
             <a:ext uri="{91240B29-F687-4F45-9708-019B960494DF}">
-              <a14:hiddenLine xmlns:a14="http://schemas.microsoft.com/office/drawing/2010/main" w="9525">
+              <a14:hiddenLine xmlns="" xmlns:a14="http://schemas.microsoft.com/office/drawing/2010/main" w="9525">
                 <a:solidFill>
                   <a:srgbClr val="000000"/>
                 </a:solidFill>
@@ -2872,14 +2872,14 @@
           </a:ln>
           <a:extLst>
             <a:ext uri="{909E8E84-426E-40DD-AFC4-6F175D3DCCD1}">
-              <a14:hiddenFill xmlns:a14="http://schemas.microsoft.com/office/drawing/2010/main">
+              <a14:hiddenFill xmlns="" xmlns:a14="http://schemas.microsoft.com/office/drawing/2010/main">
                 <a:solidFill>
                   <a:srgbClr val="FFFFFF"/>
                 </a:solidFill>
               </a14:hiddenFill>
             </a:ext>
             <a:ext uri="{91240B29-F687-4F45-9708-019B960494DF}">
-              <a14:hiddenLine xmlns:a14="http://schemas.microsoft.com/office/drawing/2010/main" w="9525">
+              <a14:hiddenLine xmlns="" xmlns:a14="http://schemas.microsoft.com/office/drawing/2010/main" w="9525">
                 <a:solidFill>
                   <a:srgbClr val="000000"/>
                 </a:solidFill>
@@ -2910,7 +2910,7 @@
             <a:fld id="{0C434B2F-F39F-4671-B38C-F510BE3DB16F}" type="datetime1">
               <a:rPr lang="zh-CN" altLang="en-US"/>
               <a:pPr/>
-              <a:t>2019/1/2</a:t>
+              <a:t>2019/1/9</a:t>
             </a:fld>
             <a:endParaRPr lang="zh-CN" altLang="en-US"/>
           </a:p>
@@ -2940,14 +2940,14 @@
           </a:ln>
           <a:extLst>
             <a:ext uri="{909E8E84-426E-40DD-AFC4-6F175D3DCCD1}">
-              <a14:hiddenFill xmlns:a14="http://schemas.microsoft.com/office/drawing/2010/main">
+              <a14:hiddenFill xmlns="" xmlns:a14="http://schemas.microsoft.com/office/drawing/2010/main">
                 <a:solidFill>
                   <a:srgbClr val="FFFFFF"/>
                 </a:solidFill>
               </a14:hiddenFill>
             </a:ext>
             <a:ext uri="{91240B29-F687-4F45-9708-019B960494DF}">
-              <a14:hiddenLine xmlns:a14="http://schemas.microsoft.com/office/drawing/2010/main" w="9525">
+              <a14:hiddenLine xmlns="" xmlns:a14="http://schemas.microsoft.com/office/drawing/2010/main" w="9525">
                 <a:solidFill>
                   <a:srgbClr val="000000"/>
                 </a:solidFill>
@@ -3003,14 +3003,14 @@
           </a:ln>
           <a:extLst>
             <a:ext uri="{909E8E84-426E-40DD-AFC4-6F175D3DCCD1}">
-              <a14:hiddenFill xmlns:a14="http://schemas.microsoft.com/office/drawing/2010/main">
+              <a14:hiddenFill xmlns="" xmlns:a14="http://schemas.microsoft.com/office/drawing/2010/main">
                 <a:solidFill>
                   <a:srgbClr val="FFFFFF"/>
                 </a:solidFill>
               </a14:hiddenFill>
             </a:ext>
             <a:ext uri="{91240B29-F687-4F45-9708-019B960494DF}">
-              <a14:hiddenLine xmlns:a14="http://schemas.microsoft.com/office/drawing/2010/main" w="9525">
+              <a14:hiddenLine xmlns="" xmlns:a14="http://schemas.microsoft.com/office/drawing/2010/main" w="9525">
                 <a:solidFill>
                   <a:srgbClr val="000000"/>
                 </a:solidFill>
@@ -3625,7 +3625,7 @@
           </a:ln>
           <a:extLst>
             <a:ext uri="{91240B29-F687-4F45-9708-019B960494DF}">
-              <a14:hiddenLine xmlns:a14="http://schemas.microsoft.com/office/drawing/2010/main" w="9525">
+              <a14:hiddenLine xmlns="" xmlns:a14="http://schemas.microsoft.com/office/drawing/2010/main" w="9525">
                 <a:solidFill>
                   <a:srgbClr val="000000"/>
                 </a:solidFill>
@@ -3659,7 +3659,7 @@
           <a:blip r:embed="rId2">
             <a:extLst>
               <a:ext uri="{28A0092B-C50C-407E-A947-70E740481C1C}">
-                <a14:useLocalDpi xmlns:a14="http://schemas.microsoft.com/office/drawing/2010/main" val="0"/>
+                <a14:useLocalDpi xmlns="" xmlns:a14="http://schemas.microsoft.com/office/drawing/2010/main" val="0"/>
               </a:ext>
             </a:extLst>
           </a:blip>
@@ -3682,14 +3682,14 @@
           </a:ln>
           <a:extLst>
             <a:ext uri="{909E8E84-426E-40DD-AFC4-6F175D3DCCD1}">
-              <a14:hiddenFill xmlns:a14="http://schemas.microsoft.com/office/drawing/2010/main">
+              <a14:hiddenFill xmlns="" xmlns:a14="http://schemas.microsoft.com/office/drawing/2010/main">
                 <a:solidFill>
                   <a:srgbClr val="FFFFFF"/>
                 </a:solidFill>
               </a14:hiddenFill>
             </a:ext>
             <a:ext uri="{91240B29-F687-4F45-9708-019B960494DF}">
-              <a14:hiddenLine xmlns:a14="http://schemas.microsoft.com/office/drawing/2010/main" w="9525">
+              <a14:hiddenLine xmlns="" xmlns:a14="http://schemas.microsoft.com/office/drawing/2010/main" w="9525">
                 <a:solidFill>
                   <a:srgbClr val="000000"/>
                 </a:solidFill>
@@ -3710,10 +3710,10 @@
           <p:nvPr/>
         </p:nvPicPr>
         <p:blipFill>
-          <a:blip r:embed="rId2">
+          <a:blip r:embed="rId3">
             <a:extLst>
               <a:ext uri="{28A0092B-C50C-407E-A947-70E740481C1C}">
-                <a14:useLocalDpi xmlns:a14="http://schemas.microsoft.com/office/drawing/2010/main" val="0"/>
+                <a14:useLocalDpi xmlns="" xmlns:a14="http://schemas.microsoft.com/office/drawing/2010/main" val="0"/>
               </a:ext>
             </a:extLst>
           </a:blip>
@@ -3736,14 +3736,14 @@
           </a:ln>
           <a:extLst>
             <a:ext uri="{909E8E84-426E-40DD-AFC4-6F175D3DCCD1}">
-              <a14:hiddenFill xmlns:a14="http://schemas.microsoft.com/office/drawing/2010/main">
+              <a14:hiddenFill xmlns="" xmlns:a14="http://schemas.microsoft.com/office/drawing/2010/main">
                 <a:solidFill>
                   <a:srgbClr val="FFFFFF"/>
                 </a:solidFill>
               </a14:hiddenFill>
             </a:ext>
             <a:ext uri="{91240B29-F687-4F45-9708-019B960494DF}">
-              <a14:hiddenLine xmlns:a14="http://schemas.microsoft.com/office/drawing/2010/main" w="9525">
+              <a14:hiddenLine xmlns="" xmlns:a14="http://schemas.microsoft.com/office/drawing/2010/main" w="9525">
                 <a:solidFill>
                   <a:srgbClr val="000000"/>
                 </a:solidFill>
@@ -3764,10 +3764,10 @@
           <p:nvPr/>
         </p:nvPicPr>
         <p:blipFill>
-          <a:blip r:embed="rId2">
+          <a:blip r:embed="rId4">
             <a:extLst>
               <a:ext uri="{28A0092B-C50C-407E-A947-70E740481C1C}">
-                <a14:useLocalDpi xmlns:a14="http://schemas.microsoft.com/office/drawing/2010/main" val="0"/>
+                <a14:useLocalDpi xmlns="" xmlns:a14="http://schemas.microsoft.com/office/drawing/2010/main" val="0"/>
               </a:ext>
             </a:extLst>
           </a:blip>
@@ -3790,14 +3790,14 @@
           </a:ln>
           <a:extLst>
             <a:ext uri="{909E8E84-426E-40DD-AFC4-6F175D3DCCD1}">
-              <a14:hiddenFill xmlns:a14="http://schemas.microsoft.com/office/drawing/2010/main">
+              <a14:hiddenFill xmlns="" xmlns:a14="http://schemas.microsoft.com/office/drawing/2010/main">
                 <a:solidFill>
                   <a:srgbClr val="FFFFFF"/>
                 </a:solidFill>
               </a14:hiddenFill>
             </a:ext>
             <a:ext uri="{91240B29-F687-4F45-9708-019B960494DF}">
-              <a14:hiddenLine xmlns:a14="http://schemas.microsoft.com/office/drawing/2010/main" w="9525">
+              <a14:hiddenLine xmlns="" xmlns:a14="http://schemas.microsoft.com/office/drawing/2010/main" w="9525">
                 <a:solidFill>
                   <a:srgbClr val="000000"/>
                 </a:solidFill>
@@ -3818,10 +3818,10 @@
           <p:nvPr/>
         </p:nvPicPr>
         <p:blipFill>
-          <a:blip r:embed="rId2">
+          <a:blip r:embed="rId5">
             <a:extLst>
               <a:ext uri="{28A0092B-C50C-407E-A947-70E740481C1C}">
-                <a14:useLocalDpi xmlns:a14="http://schemas.microsoft.com/office/drawing/2010/main" val="0"/>
+                <a14:useLocalDpi xmlns="" xmlns:a14="http://schemas.microsoft.com/office/drawing/2010/main" val="0"/>
               </a:ext>
             </a:extLst>
           </a:blip>
@@ -3844,14 +3844,14 @@
           </a:ln>
           <a:extLst>
             <a:ext uri="{909E8E84-426E-40DD-AFC4-6F175D3DCCD1}">
-              <a14:hiddenFill xmlns:a14="http://schemas.microsoft.com/office/drawing/2010/main">
+              <a14:hiddenFill xmlns="" xmlns:a14="http://schemas.microsoft.com/office/drawing/2010/main">
                 <a:solidFill>
                   <a:srgbClr val="FFFFFF"/>
                 </a:solidFill>
               </a14:hiddenFill>
             </a:ext>
             <a:ext uri="{91240B29-F687-4F45-9708-019B960494DF}">
-              <a14:hiddenLine xmlns:a14="http://schemas.microsoft.com/office/drawing/2010/main" w="9525">
+              <a14:hiddenLine xmlns="" xmlns:a14="http://schemas.microsoft.com/office/drawing/2010/main" w="9525">
                 <a:solidFill>
                   <a:srgbClr val="000000"/>
                 </a:solidFill>
@@ -3890,7 +3890,7 @@
           </a:ln>
           <a:extLst>
             <a:ext uri="{909E8E84-426E-40DD-AFC4-6F175D3DCCD1}">
-              <a14:hiddenFill xmlns:a14="http://schemas.microsoft.com/office/drawing/2010/main">
+              <a14:hiddenFill xmlns="" xmlns:a14="http://schemas.microsoft.com/office/drawing/2010/main">
                 <a:noFill/>
               </a14:hiddenFill>
             </a:ext>
@@ -3931,7 +3931,7 @@
           </a:ln>
           <a:extLst>
             <a:ext uri="{909E8E84-426E-40DD-AFC4-6F175D3DCCD1}">
-              <a14:hiddenFill xmlns:a14="http://schemas.microsoft.com/office/drawing/2010/main">
+              <a14:hiddenFill xmlns="" xmlns:a14="http://schemas.microsoft.com/office/drawing/2010/main">
                 <a:noFill/>
               </a14:hiddenFill>
             </a:ext>
@@ -3969,7 +3969,7 @@
           </a:ln>
           <a:extLst>
             <a:ext uri="{91240B29-F687-4F45-9708-019B960494DF}">
-              <a14:hiddenLine xmlns:a14="http://schemas.microsoft.com/office/drawing/2010/main" w="9525">
+              <a14:hiddenLine xmlns="" xmlns:a14="http://schemas.microsoft.com/office/drawing/2010/main" w="9525">
                 <a:solidFill>
                   <a:srgbClr val="000000"/>
                 </a:solidFill>
@@ -4018,7 +4018,7 @@
           </a:ln>
           <a:extLst>
             <a:ext uri="{91240B29-F687-4F45-9708-019B960494DF}">
-              <a14:hiddenLine xmlns:a14="http://schemas.microsoft.com/office/drawing/2010/main" w="9525">
+              <a14:hiddenLine xmlns="" xmlns:a14="http://schemas.microsoft.com/office/drawing/2010/main" w="9525">
                 <a:solidFill>
                   <a:srgbClr val="000000"/>
                 </a:solidFill>
@@ -4067,7 +4067,7 @@
           </a:ln>
           <a:extLst>
             <a:ext uri="{91240B29-F687-4F45-9708-019B960494DF}">
-              <a14:hiddenLine xmlns:a14="http://schemas.microsoft.com/office/drawing/2010/main" w="9525">
+              <a14:hiddenLine xmlns="" xmlns:a14="http://schemas.microsoft.com/office/drawing/2010/main" w="9525">
                 <a:solidFill>
                   <a:srgbClr val="000000"/>
                 </a:solidFill>
@@ -4130,7 +4130,7 @@
             </a:ln>
             <a:extLst>
               <a:ext uri="{91240B29-F687-4F45-9708-019B960494DF}">
-                <a14:hiddenLine xmlns:a14="http://schemas.microsoft.com/office/drawing/2010/main" w="9525">
+                <a14:hiddenLine xmlns="" xmlns:a14="http://schemas.microsoft.com/office/drawing/2010/main" w="9525">
                   <a:solidFill>
                     <a:srgbClr val="000000"/>
                   </a:solidFill>
@@ -4164,12 +4164,12 @@
             <p:nvPr/>
           </p:nvPicPr>
           <p:blipFill>
-            <a:blip r:embed="rId2" cstate="print">
+            <a:blip r:embed="rId6" cstate="print">
               <a:grayscl/>
               <a:biLevel thresh="50000"/>
               <a:extLst>
                 <a:ext uri="{28A0092B-C50C-407E-A947-70E740481C1C}">
-                  <a14:useLocalDpi xmlns:a14="http://schemas.microsoft.com/office/drawing/2010/main" val="0"/>
+                  <a14:useLocalDpi xmlns="" xmlns:a14="http://schemas.microsoft.com/office/drawing/2010/main" val="0"/>
                 </a:ext>
               </a:extLst>
             </a:blip>
@@ -4192,14 +4192,14 @@
             </a:ln>
             <a:extLst>
               <a:ext uri="{909E8E84-426E-40DD-AFC4-6F175D3DCCD1}">
-                <a14:hiddenFill xmlns:a14="http://schemas.microsoft.com/office/drawing/2010/main">
+                <a14:hiddenFill xmlns="" xmlns:a14="http://schemas.microsoft.com/office/drawing/2010/main">
                   <a:solidFill>
                     <a:srgbClr val="FFFFFF"/>
                   </a:solidFill>
                 </a14:hiddenFill>
               </a:ext>
               <a:ext uri="{91240B29-F687-4F45-9708-019B960494DF}">
-                <a14:hiddenLine xmlns:a14="http://schemas.microsoft.com/office/drawing/2010/main" w="9525">
+                <a14:hiddenLine xmlns="" xmlns:a14="http://schemas.microsoft.com/office/drawing/2010/main" w="9525">
                   <a:solidFill>
                     <a:srgbClr val="000000"/>
                   </a:solidFill>
@@ -4235,10 +4235,10 @@
             <p:nvPr/>
           </p:nvPicPr>
           <p:blipFill>
-            <a:blip r:embed="rId2" cstate="print">
+            <a:blip r:embed="rId7" cstate="print">
               <a:extLst>
                 <a:ext uri="{28A0092B-C50C-407E-A947-70E740481C1C}">
-                  <a14:useLocalDpi xmlns:a14="http://schemas.microsoft.com/office/drawing/2010/main" val="0"/>
+                  <a14:useLocalDpi xmlns="" xmlns:a14="http://schemas.microsoft.com/office/drawing/2010/main" val="0"/>
                 </a:ext>
               </a:extLst>
             </a:blip>
@@ -4261,14 +4261,14 @@
             </a:ln>
             <a:extLst>
               <a:ext uri="{909E8E84-426E-40DD-AFC4-6F175D3DCCD1}">
-                <a14:hiddenFill xmlns:a14="http://schemas.microsoft.com/office/drawing/2010/main">
+                <a14:hiddenFill xmlns="" xmlns:a14="http://schemas.microsoft.com/office/drawing/2010/main">
                   <a:solidFill>
                     <a:srgbClr val="FFFFFF"/>
                   </a:solidFill>
                 </a14:hiddenFill>
               </a:ext>
               <a:ext uri="{91240B29-F687-4F45-9708-019B960494DF}">
-                <a14:hiddenLine xmlns:a14="http://schemas.microsoft.com/office/drawing/2010/main" w="9525">
+                <a14:hiddenLine xmlns="" xmlns:a14="http://schemas.microsoft.com/office/drawing/2010/main" w="9525">
                   <a:solidFill>
                     <a:srgbClr val="000000"/>
                   </a:solidFill>
@@ -4289,10 +4289,10 @@
             <p:nvPr/>
           </p:nvPicPr>
           <p:blipFill>
-            <a:blip r:embed="rId2" cstate="print">
+            <a:blip r:embed="rId8" cstate="print">
               <a:extLst>
                 <a:ext uri="{28A0092B-C50C-407E-A947-70E740481C1C}">
-                  <a14:useLocalDpi xmlns:a14="http://schemas.microsoft.com/office/drawing/2010/main" val="0"/>
+                  <a14:useLocalDpi xmlns="" xmlns:a14="http://schemas.microsoft.com/office/drawing/2010/main" val="0"/>
                 </a:ext>
               </a:extLst>
             </a:blip>
@@ -4315,14 +4315,14 @@
             </a:ln>
             <a:extLst>
               <a:ext uri="{909E8E84-426E-40DD-AFC4-6F175D3DCCD1}">
-                <a14:hiddenFill xmlns:a14="http://schemas.microsoft.com/office/drawing/2010/main">
+                <a14:hiddenFill xmlns="" xmlns:a14="http://schemas.microsoft.com/office/drawing/2010/main">
                   <a:solidFill>
                     <a:srgbClr val="FFFFFF"/>
                   </a:solidFill>
                 </a14:hiddenFill>
               </a:ext>
               <a:ext uri="{91240B29-F687-4F45-9708-019B960494DF}">
-                <a14:hiddenLine xmlns:a14="http://schemas.microsoft.com/office/drawing/2010/main" w="9525">
+                <a14:hiddenLine xmlns="" xmlns:a14="http://schemas.microsoft.com/office/drawing/2010/main" w="9525">
                   <a:solidFill>
                     <a:srgbClr val="000000"/>
                   </a:solidFill>
@@ -4343,10 +4343,10 @@
             <p:nvPr/>
           </p:nvPicPr>
           <p:blipFill>
-            <a:blip r:embed="rId2" cstate="print">
+            <a:blip r:embed="rId9" cstate="print">
               <a:extLst>
                 <a:ext uri="{28A0092B-C50C-407E-A947-70E740481C1C}">
-                  <a14:useLocalDpi xmlns:a14="http://schemas.microsoft.com/office/drawing/2010/main" val="0"/>
+                  <a14:useLocalDpi xmlns="" xmlns:a14="http://schemas.microsoft.com/office/drawing/2010/main" val="0"/>
                 </a:ext>
               </a:extLst>
             </a:blip>
@@ -4369,14 +4369,14 @@
             </a:ln>
             <a:extLst>
               <a:ext uri="{909E8E84-426E-40DD-AFC4-6F175D3DCCD1}">
-                <a14:hiddenFill xmlns:a14="http://schemas.microsoft.com/office/drawing/2010/main">
+                <a14:hiddenFill xmlns="" xmlns:a14="http://schemas.microsoft.com/office/drawing/2010/main">
                   <a:solidFill>
                     <a:srgbClr val="FFFFFF"/>
                   </a:solidFill>
                 </a14:hiddenFill>
               </a:ext>
               <a:ext uri="{91240B29-F687-4F45-9708-019B960494DF}">
-                <a14:hiddenLine xmlns:a14="http://schemas.microsoft.com/office/drawing/2010/main" w="9525">
+                <a14:hiddenLine xmlns="" xmlns:a14="http://schemas.microsoft.com/office/drawing/2010/main" w="9525">
                   <a:solidFill>
                     <a:srgbClr val="000000"/>
                   </a:solidFill>
@@ -4397,12 +4397,12 @@
             <p:nvPr/>
           </p:nvPicPr>
           <p:blipFill>
-            <a:blip r:embed="rId2" cstate="print">
+            <a:blip r:embed="rId10" cstate="print">
               <a:grayscl/>
               <a:biLevel thresh="50000"/>
               <a:extLst>
                 <a:ext uri="{28A0092B-C50C-407E-A947-70E740481C1C}">
-                  <a14:useLocalDpi xmlns:a14="http://schemas.microsoft.com/office/drawing/2010/main" val="0"/>
+                  <a14:useLocalDpi xmlns="" xmlns:a14="http://schemas.microsoft.com/office/drawing/2010/main" val="0"/>
                 </a:ext>
               </a:extLst>
             </a:blip>
@@ -4425,14 +4425,14 @@
             </a:ln>
             <a:extLst>
               <a:ext uri="{909E8E84-426E-40DD-AFC4-6F175D3DCCD1}">
-                <a14:hiddenFill xmlns:a14="http://schemas.microsoft.com/office/drawing/2010/main">
+                <a14:hiddenFill xmlns="" xmlns:a14="http://schemas.microsoft.com/office/drawing/2010/main">
                   <a:solidFill>
                     <a:srgbClr val="FFFFFF"/>
                   </a:solidFill>
                 </a14:hiddenFill>
               </a:ext>
               <a:ext uri="{91240B29-F687-4F45-9708-019B960494DF}">
-                <a14:hiddenLine xmlns:a14="http://schemas.microsoft.com/office/drawing/2010/main" w="9525">
+                <a14:hiddenLine xmlns="" xmlns:a14="http://schemas.microsoft.com/office/drawing/2010/main" w="9525">
                   <a:solidFill>
                     <a:srgbClr val="000000"/>
                   </a:solidFill>
@@ -4748,7 +4748,7 @@
           <p:cNvPr id="4" name="文字方塊 3">
             <a:extLst>
               <a:ext uri="{FF2B5EF4-FFF2-40B4-BE49-F238E27FC236}">
-                <a16:creationId xmlns:a16="http://schemas.microsoft.com/office/drawing/2014/main" id="{1280CF39-5F74-8D44-AFC7-64AB7E8A52A2}"/>
+                <a16:creationId xmlns="" xmlns:a16="http://schemas.microsoft.com/office/drawing/2014/main" id="{1280CF39-5F74-8D44-AFC7-64AB7E8A52A2}"/>
               </a:ext>
             </a:extLst>
           </p:cNvPr>
@@ -4831,7 +4831,7 @@
           </a:ln>
           <a:extLst>
             <a:ext uri="{91240B29-F687-4F45-9708-019B960494DF}">
-              <a14:hiddenLine xmlns:a14="http://schemas.microsoft.com/office/drawing/2010/main" w="9525">
+              <a14:hiddenLine xmlns="" xmlns:a14="http://schemas.microsoft.com/office/drawing/2010/main" w="9525">
                 <a:solidFill>
                   <a:srgbClr val="000000"/>
                 </a:solidFill>
@@ -4881,7 +4881,7 @@
           </a:ln>
           <a:extLst>
             <a:ext uri="{91240B29-F687-4F45-9708-019B960494DF}">
-              <a14:hiddenLine xmlns:a14="http://schemas.microsoft.com/office/drawing/2010/main" w="9525">
+              <a14:hiddenLine xmlns="" xmlns:a14="http://schemas.microsoft.com/office/drawing/2010/main" w="9525">
                 <a:solidFill>
                   <a:srgbClr val="000000"/>
                 </a:solidFill>
@@ -4931,7 +4931,7 @@
           </a:ln>
           <a:extLst>
             <a:ext uri="{91240B29-F687-4F45-9708-019B960494DF}">
-              <a14:hiddenLine xmlns:a14="http://schemas.microsoft.com/office/drawing/2010/main" w="9525">
+              <a14:hiddenLine xmlns="" xmlns:a14="http://schemas.microsoft.com/office/drawing/2010/main" w="9525">
                 <a:solidFill>
                   <a:srgbClr val="000000"/>
                 </a:solidFill>
@@ -4979,14 +4979,14 @@
           </a:ln>
           <a:extLst>
             <a:ext uri="{909E8E84-426E-40DD-AFC4-6F175D3DCCD1}">
-              <a14:hiddenFill xmlns:a14="http://schemas.microsoft.com/office/drawing/2010/main">
+              <a14:hiddenFill xmlns="" xmlns:a14="http://schemas.microsoft.com/office/drawing/2010/main">
                 <a:solidFill>
                   <a:srgbClr val="FFFFFF"/>
                 </a:solidFill>
               </a14:hiddenFill>
             </a:ext>
             <a:ext uri="{91240B29-F687-4F45-9708-019B960494DF}">
-              <a14:hiddenLine xmlns:a14="http://schemas.microsoft.com/office/drawing/2010/main" w="9525">
+              <a14:hiddenLine xmlns="" xmlns:a14="http://schemas.microsoft.com/office/drawing/2010/main" w="9525">
                 <a:solidFill>
                   <a:srgbClr val="000000"/>
                 </a:solidFill>
@@ -5044,7 +5044,7 @@
     </p:spTree>
     <p:extLst>
       <p:ext uri="{BB962C8B-B14F-4D97-AF65-F5344CB8AC3E}">
-        <p14:creationId xmlns:p14="http://schemas.microsoft.com/office/powerpoint/2010/main" val="571009279"/>
+        <p14:creationId xmlns="" xmlns:p14="http://schemas.microsoft.com/office/powerpoint/2010/main" val="571009279"/>
       </p:ext>
     </p:extLst>
   </p:cSld>
@@ -5203,7 +5203,7 @@
           </a:ln>
           <a:extLst>
             <a:ext uri="{91240B29-F687-4F45-9708-019B960494DF}">
-              <a14:hiddenLine xmlns:a14="http://schemas.microsoft.com/office/drawing/2010/main" w="9525">
+              <a14:hiddenLine xmlns="" xmlns:a14="http://schemas.microsoft.com/office/drawing/2010/main" w="9525">
                 <a:solidFill>
                   <a:srgbClr val="000000"/>
                 </a:solidFill>
@@ -5238,7 +5238,7 @@
           <a:blip r:embed="rId2">
             <a:extLst>
               <a:ext uri="{28A0092B-C50C-407E-A947-70E740481C1C}">
-                <a14:useLocalDpi xmlns:a14="http://schemas.microsoft.com/office/drawing/2010/main" val="0"/>
+                <a14:useLocalDpi xmlns="" xmlns:a14="http://schemas.microsoft.com/office/drawing/2010/main" val="0"/>
               </a:ext>
             </a:extLst>
           </a:blip>
@@ -5261,14 +5261,14 @@
           </a:ln>
           <a:extLst>
             <a:ext uri="{909E8E84-426E-40DD-AFC4-6F175D3DCCD1}">
-              <a14:hiddenFill xmlns:a14="http://schemas.microsoft.com/office/drawing/2010/main">
+              <a14:hiddenFill xmlns="" xmlns:a14="http://schemas.microsoft.com/office/drawing/2010/main">
                 <a:solidFill>
                   <a:srgbClr val="FFFFFF"/>
                 </a:solidFill>
               </a14:hiddenFill>
             </a:ext>
             <a:ext uri="{91240B29-F687-4F45-9708-019B960494DF}">
-              <a14:hiddenLine xmlns:a14="http://schemas.microsoft.com/office/drawing/2010/main" w="9525">
+              <a14:hiddenLine xmlns="" xmlns:a14="http://schemas.microsoft.com/office/drawing/2010/main" w="9525">
                 <a:solidFill>
                   <a:srgbClr val="000000"/>
                 </a:solidFill>
@@ -5289,10 +5289,10 @@
           <p:nvPr/>
         </p:nvPicPr>
         <p:blipFill>
-          <a:blip r:embed="rId2">
+          <a:blip r:embed="rId3">
             <a:extLst>
               <a:ext uri="{28A0092B-C50C-407E-A947-70E740481C1C}">
-                <a14:useLocalDpi xmlns:a14="http://schemas.microsoft.com/office/drawing/2010/main" val="0"/>
+                <a14:useLocalDpi xmlns="" xmlns:a14="http://schemas.microsoft.com/office/drawing/2010/main" val="0"/>
               </a:ext>
             </a:extLst>
           </a:blip>
@@ -5315,14 +5315,14 @@
           </a:ln>
           <a:extLst>
             <a:ext uri="{909E8E84-426E-40DD-AFC4-6F175D3DCCD1}">
-              <a14:hiddenFill xmlns:a14="http://schemas.microsoft.com/office/drawing/2010/main">
+              <a14:hiddenFill xmlns="" xmlns:a14="http://schemas.microsoft.com/office/drawing/2010/main">
                 <a:solidFill>
                   <a:srgbClr val="FFFFFF"/>
                 </a:solidFill>
               </a14:hiddenFill>
             </a:ext>
             <a:ext uri="{91240B29-F687-4F45-9708-019B960494DF}">
-              <a14:hiddenLine xmlns:a14="http://schemas.microsoft.com/office/drawing/2010/main" w="9525">
+              <a14:hiddenLine xmlns="" xmlns:a14="http://schemas.microsoft.com/office/drawing/2010/main" w="9525">
                 <a:solidFill>
                   <a:srgbClr val="000000"/>
                 </a:solidFill>
@@ -5361,7 +5361,7 @@
           </a:ln>
           <a:extLst>
             <a:ext uri="{909E8E84-426E-40DD-AFC4-6F175D3DCCD1}">
-              <a14:hiddenFill xmlns:a14="http://schemas.microsoft.com/office/drawing/2010/main">
+              <a14:hiddenFill xmlns="" xmlns:a14="http://schemas.microsoft.com/office/drawing/2010/main">
                 <a:noFill/>
               </a14:hiddenFill>
             </a:ext>
@@ -5402,7 +5402,7 @@
           </a:ln>
           <a:extLst>
             <a:ext uri="{91240B29-F687-4F45-9708-019B960494DF}">
-              <a14:hiddenLine xmlns:a14="http://schemas.microsoft.com/office/drawing/2010/main" w="9525">
+              <a14:hiddenLine xmlns="" xmlns:a14="http://schemas.microsoft.com/office/drawing/2010/main" w="9525">
                 <a:solidFill>
                   <a:srgbClr val="000000"/>
                 </a:solidFill>
@@ -5452,7 +5452,7 @@
           </a:ln>
           <a:extLst>
             <a:ext uri="{91240B29-F687-4F45-9708-019B960494DF}">
-              <a14:hiddenLine xmlns:a14="http://schemas.microsoft.com/office/drawing/2010/main" w="9525">
+              <a14:hiddenLine xmlns="" xmlns:a14="http://schemas.microsoft.com/office/drawing/2010/main" w="9525">
                 <a:solidFill>
                   <a:srgbClr val="000000"/>
                 </a:solidFill>
@@ -5483,7 +5483,7 @@
           <p:cNvPr id="2" name="文字方塊 1">
             <a:extLst>
               <a:ext uri="{FF2B5EF4-FFF2-40B4-BE49-F238E27FC236}">
-                <a16:creationId xmlns:a16="http://schemas.microsoft.com/office/drawing/2014/main" id="{DD2A17C0-27CE-BD47-AE17-C916235CC8DD}"/>
+                <a16:creationId xmlns="" xmlns:a16="http://schemas.microsoft.com/office/drawing/2014/main" id="{DD2A17C0-27CE-BD47-AE17-C916235CC8DD}"/>
               </a:ext>
             </a:extLst>
           </p:cNvPr>
@@ -5523,7 +5523,7 @@
     </p:spTree>
     <p:extLst>
       <p:ext uri="{BB962C8B-B14F-4D97-AF65-F5344CB8AC3E}">
-        <p14:creationId xmlns:p14="http://schemas.microsoft.com/office/powerpoint/2010/main" val="2300960902"/>
+        <p14:creationId xmlns="" xmlns:p14="http://schemas.microsoft.com/office/powerpoint/2010/main" val="2300960902"/>
       </p:ext>
     </p:extLst>
   </p:cSld>
@@ -5574,7 +5574,7 @@
           </a:ln>
           <a:extLst>
             <a:ext uri="{91240B29-F687-4F45-9708-019B960494DF}">
-              <a14:hiddenLine xmlns:a14="http://schemas.microsoft.com/office/drawing/2010/main" w="9525">
+              <a14:hiddenLine xmlns="" xmlns:a14="http://schemas.microsoft.com/office/drawing/2010/main" w="9525">
                 <a:solidFill>
                   <a:srgbClr val="000000"/>
                 </a:solidFill>
@@ -5624,7 +5624,7 @@
           </a:ln>
           <a:extLst>
             <a:ext uri="{91240B29-F687-4F45-9708-019B960494DF}">
-              <a14:hiddenLine xmlns:a14="http://schemas.microsoft.com/office/drawing/2010/main" w="9525">
+              <a14:hiddenLine xmlns="" xmlns:a14="http://schemas.microsoft.com/office/drawing/2010/main" w="9525">
                 <a:solidFill>
                   <a:srgbClr val="000000"/>
                 </a:solidFill>
@@ -5674,7 +5674,7 @@
           </a:ln>
           <a:extLst>
             <a:ext uri="{91240B29-F687-4F45-9708-019B960494DF}">
-              <a14:hiddenLine xmlns:a14="http://schemas.microsoft.com/office/drawing/2010/main" w="9525">
+              <a14:hiddenLine xmlns="" xmlns:a14="http://schemas.microsoft.com/office/drawing/2010/main" w="9525">
                 <a:solidFill>
                   <a:srgbClr val="000000"/>
                 </a:solidFill>
@@ -5722,14 +5722,14 @@
           </a:ln>
           <a:extLst>
             <a:ext uri="{909E8E84-426E-40DD-AFC4-6F175D3DCCD1}">
-              <a14:hiddenFill xmlns:a14="http://schemas.microsoft.com/office/drawing/2010/main">
+              <a14:hiddenFill xmlns="" xmlns:a14="http://schemas.microsoft.com/office/drawing/2010/main">
                 <a:solidFill>
                   <a:srgbClr val="FFFFFF"/>
                 </a:solidFill>
               </a14:hiddenFill>
             </a:ext>
             <a:ext uri="{91240B29-F687-4F45-9708-019B960494DF}">
-              <a14:hiddenLine xmlns:a14="http://schemas.microsoft.com/office/drawing/2010/main" w="9525">
+              <a14:hiddenLine xmlns="" xmlns:a14="http://schemas.microsoft.com/office/drawing/2010/main" w="9525">
                 <a:solidFill>
                   <a:srgbClr val="000000"/>
                 </a:solidFill>
@@ -5787,7 +5787,7 @@
     </p:spTree>
     <p:extLst>
       <p:ext uri="{BB962C8B-B14F-4D97-AF65-F5344CB8AC3E}">
-        <p14:creationId xmlns:p14="http://schemas.microsoft.com/office/powerpoint/2010/main" val="2381110527"/>
+        <p14:creationId xmlns="" xmlns:p14="http://schemas.microsoft.com/office/powerpoint/2010/main" val="2381110527"/>
       </p:ext>
     </p:extLst>
   </p:cSld>
@@ -5838,7 +5838,7 @@
           </a:ln>
           <a:extLst>
             <a:ext uri="{91240B29-F687-4F45-9708-019B960494DF}">
-              <a14:hiddenLine xmlns:a14="http://schemas.microsoft.com/office/drawing/2010/main" w="9525">
+              <a14:hiddenLine xmlns="" xmlns:a14="http://schemas.microsoft.com/office/drawing/2010/main" w="9525">
                 <a:solidFill>
                   <a:srgbClr val="000000"/>
                 </a:solidFill>
@@ -5888,7 +5888,7 @@
           </a:ln>
           <a:extLst>
             <a:ext uri="{91240B29-F687-4F45-9708-019B960494DF}">
-              <a14:hiddenLine xmlns:a14="http://schemas.microsoft.com/office/drawing/2010/main" w="9525">
+              <a14:hiddenLine xmlns="" xmlns:a14="http://schemas.microsoft.com/office/drawing/2010/main" w="9525">
                 <a:solidFill>
                   <a:srgbClr val="000000"/>
                 </a:solidFill>
@@ -5938,7 +5938,7 @@
           </a:ln>
           <a:extLst>
             <a:ext uri="{91240B29-F687-4F45-9708-019B960494DF}">
-              <a14:hiddenLine xmlns:a14="http://schemas.microsoft.com/office/drawing/2010/main" w="9525">
+              <a14:hiddenLine xmlns="" xmlns:a14="http://schemas.microsoft.com/office/drawing/2010/main" w="9525">
                 <a:solidFill>
                   <a:srgbClr val="000000"/>
                 </a:solidFill>
@@ -5986,14 +5986,14 @@
           </a:ln>
           <a:extLst>
             <a:ext uri="{909E8E84-426E-40DD-AFC4-6F175D3DCCD1}">
-              <a14:hiddenFill xmlns:a14="http://schemas.microsoft.com/office/drawing/2010/main">
+              <a14:hiddenFill xmlns="" xmlns:a14="http://schemas.microsoft.com/office/drawing/2010/main">
                 <a:solidFill>
                   <a:srgbClr val="FFFFFF"/>
                 </a:solidFill>
               </a14:hiddenFill>
             </a:ext>
             <a:ext uri="{91240B29-F687-4F45-9708-019B960494DF}">
-              <a14:hiddenLine xmlns:a14="http://schemas.microsoft.com/office/drawing/2010/main" w="9525">
+              <a14:hiddenLine xmlns="" xmlns:a14="http://schemas.microsoft.com/office/drawing/2010/main" w="9525">
                 <a:solidFill>
                   <a:srgbClr val="000000"/>
                 </a:solidFill>
@@ -6034,7 +6034,7 @@
       </p:sp>
       <p:pic>
         <p:nvPicPr>
-          <p:cNvPr id="8" name="圖片 7" descr="使用案例.png"/>
+          <p:cNvPr id="7" name="圖片 6" descr="使用案例.png"/>
           <p:cNvPicPr>
             <a:picLocks noChangeAspect="1"/>
           </p:cNvPicPr>
@@ -6048,8 +6048,8 @@
         </p:blipFill>
         <p:spPr>
           <a:xfrm>
-            <a:off x="2309786" y="564860"/>
-            <a:ext cx="7572428" cy="5728281"/>
+            <a:off x="2238348" y="928670"/>
+            <a:ext cx="7715304" cy="5568828"/>
           </a:xfrm>
           <a:prstGeom prst="rect">
             <a:avLst/>
@@ -6059,7 +6059,7 @@
     </p:spTree>
     <p:extLst>
       <p:ext uri="{BB962C8B-B14F-4D97-AF65-F5344CB8AC3E}">
-        <p14:creationId xmlns:p14="http://schemas.microsoft.com/office/powerpoint/2010/main" val="2381110527"/>
+        <p14:creationId xmlns="" xmlns:p14="http://schemas.microsoft.com/office/powerpoint/2010/main" val="2381110527"/>
       </p:ext>
     </p:extLst>
   </p:cSld>
@@ -6110,7 +6110,7 @@
           </a:ln>
           <a:extLst>
             <a:ext uri="{91240B29-F687-4F45-9708-019B960494DF}">
-              <a14:hiddenLine xmlns:a14="http://schemas.microsoft.com/office/drawing/2010/main" w="9525">
+              <a14:hiddenLine xmlns="" xmlns:a14="http://schemas.microsoft.com/office/drawing/2010/main" w="9525">
                 <a:solidFill>
                   <a:srgbClr val="000000"/>
                 </a:solidFill>
@@ -6160,7 +6160,7 @@
           </a:ln>
           <a:extLst>
             <a:ext uri="{91240B29-F687-4F45-9708-019B960494DF}">
-              <a14:hiddenLine xmlns:a14="http://schemas.microsoft.com/office/drawing/2010/main" w="9525">
+              <a14:hiddenLine xmlns="" xmlns:a14="http://schemas.microsoft.com/office/drawing/2010/main" w="9525">
                 <a:solidFill>
                   <a:srgbClr val="000000"/>
                 </a:solidFill>
@@ -6210,7 +6210,7 @@
           </a:ln>
           <a:extLst>
             <a:ext uri="{91240B29-F687-4F45-9708-019B960494DF}">
-              <a14:hiddenLine xmlns:a14="http://schemas.microsoft.com/office/drawing/2010/main" w="9525">
+              <a14:hiddenLine xmlns="" xmlns:a14="http://schemas.microsoft.com/office/drawing/2010/main" w="9525">
                 <a:solidFill>
                   <a:srgbClr val="000000"/>
                 </a:solidFill>
@@ -6258,14 +6258,14 @@
           </a:ln>
           <a:extLst>
             <a:ext uri="{909E8E84-426E-40DD-AFC4-6F175D3DCCD1}">
-              <a14:hiddenFill xmlns:a14="http://schemas.microsoft.com/office/drawing/2010/main">
+              <a14:hiddenFill xmlns="" xmlns:a14="http://schemas.microsoft.com/office/drawing/2010/main">
                 <a:solidFill>
                   <a:srgbClr val="FFFFFF"/>
                 </a:solidFill>
               </a14:hiddenFill>
             </a:ext>
             <a:ext uri="{91240B29-F687-4F45-9708-019B960494DF}">
-              <a14:hiddenLine xmlns:a14="http://schemas.microsoft.com/office/drawing/2010/main" w="9525">
+              <a14:hiddenLine xmlns="" xmlns:a14="http://schemas.microsoft.com/office/drawing/2010/main" w="9525">
                 <a:solidFill>
                   <a:srgbClr val="000000"/>
                 </a:solidFill>
@@ -6306,43 +6306,32 @@
       </p:sp>
       <p:pic>
         <p:nvPicPr>
-          <p:cNvPr id="7" name="圖片 6" descr="軟工活動圖"/>
-          <p:cNvPicPr/>
+          <p:cNvPr id="8" name="圖片 7" descr="動態圖行.png"/>
+          <p:cNvPicPr>
+            <a:picLocks noChangeAspect="1"/>
+          </p:cNvPicPr>
           <p:nvPr/>
         </p:nvPicPr>
         <p:blipFill>
-          <a:blip r:embed="rId2" cstate="print">
-            <a:extLst>
-              <a:ext uri="{28A0092B-C50C-407E-A947-70E740481C1C}">
-                <a14:useLocalDpi xmlns:a14="http://schemas.microsoft.com/office/drawing/2010/main" val="0"/>
-              </a:ext>
-            </a:extLst>
-          </a:blip>
-          <a:srcRect/>
+          <a:blip r:embed="rId2"/>
           <a:stretch>
             <a:fillRect/>
           </a:stretch>
         </p:blipFill>
-        <p:spPr bwMode="auto">
+        <p:spPr>
           <a:xfrm>
-            <a:off x="4007768" y="688975"/>
-            <a:ext cx="4464496" cy="5764361"/>
+            <a:off x="2057382" y="655837"/>
+            <a:ext cx="8077236" cy="6202163"/>
           </a:xfrm>
           <a:prstGeom prst="rect">
             <a:avLst/>
           </a:prstGeom>
-          <a:solidFill>
-            <a:schemeClr val="bg1"/>
-          </a:solidFill>
-          <a:ln>
-            <a:noFill/>
-          </a:ln>
         </p:spPr>
       </p:pic>
     </p:spTree>
     <p:extLst>
       <p:ext uri="{BB962C8B-B14F-4D97-AF65-F5344CB8AC3E}">
-        <p14:creationId xmlns:p14="http://schemas.microsoft.com/office/powerpoint/2010/main" val="2618306487"/>
+        <p14:creationId xmlns="" xmlns:p14="http://schemas.microsoft.com/office/powerpoint/2010/main" val="2618306487"/>
       </p:ext>
     </p:extLst>
   </p:cSld>
@@ -6501,7 +6490,7 @@
           </a:ln>
           <a:extLst>
             <a:ext uri="{91240B29-F687-4F45-9708-019B960494DF}">
-              <a14:hiddenLine xmlns:a14="http://schemas.microsoft.com/office/drawing/2010/main" w="9525">
+              <a14:hiddenLine xmlns="" xmlns:a14="http://schemas.microsoft.com/office/drawing/2010/main" w="9525">
                 <a:solidFill>
                   <a:srgbClr val="000000"/>
                 </a:solidFill>
@@ -6536,7 +6525,7 @@
           <a:blip r:embed="rId2">
             <a:extLst>
               <a:ext uri="{28A0092B-C50C-407E-A947-70E740481C1C}">
-                <a14:useLocalDpi xmlns:a14="http://schemas.microsoft.com/office/drawing/2010/main" val="0"/>
+                <a14:useLocalDpi xmlns="" xmlns:a14="http://schemas.microsoft.com/office/drawing/2010/main" val="0"/>
               </a:ext>
             </a:extLst>
           </a:blip>
@@ -6559,14 +6548,14 @@
           </a:ln>
           <a:extLst>
             <a:ext uri="{909E8E84-426E-40DD-AFC4-6F175D3DCCD1}">
-              <a14:hiddenFill xmlns:a14="http://schemas.microsoft.com/office/drawing/2010/main">
+              <a14:hiddenFill xmlns="" xmlns:a14="http://schemas.microsoft.com/office/drawing/2010/main">
                 <a:solidFill>
                   <a:srgbClr val="FFFFFF"/>
                 </a:solidFill>
               </a14:hiddenFill>
             </a:ext>
             <a:ext uri="{91240B29-F687-4F45-9708-019B960494DF}">
-              <a14:hiddenLine xmlns:a14="http://schemas.microsoft.com/office/drawing/2010/main" w="9525">
+              <a14:hiddenLine xmlns="" xmlns:a14="http://schemas.microsoft.com/office/drawing/2010/main" w="9525">
                 <a:solidFill>
                   <a:srgbClr val="000000"/>
                 </a:solidFill>
@@ -6587,10 +6576,10 @@
           <p:nvPr/>
         </p:nvPicPr>
         <p:blipFill>
-          <a:blip r:embed="rId2">
+          <a:blip r:embed="rId3">
             <a:extLst>
               <a:ext uri="{28A0092B-C50C-407E-A947-70E740481C1C}">
-                <a14:useLocalDpi xmlns:a14="http://schemas.microsoft.com/office/drawing/2010/main" val="0"/>
+                <a14:useLocalDpi xmlns="" xmlns:a14="http://schemas.microsoft.com/office/drawing/2010/main" val="0"/>
               </a:ext>
             </a:extLst>
           </a:blip>
@@ -6613,14 +6602,14 @@
           </a:ln>
           <a:extLst>
             <a:ext uri="{909E8E84-426E-40DD-AFC4-6F175D3DCCD1}">
-              <a14:hiddenFill xmlns:a14="http://schemas.microsoft.com/office/drawing/2010/main">
+              <a14:hiddenFill xmlns="" xmlns:a14="http://schemas.microsoft.com/office/drawing/2010/main">
                 <a:solidFill>
                   <a:srgbClr val="FFFFFF"/>
                 </a:solidFill>
               </a14:hiddenFill>
             </a:ext>
             <a:ext uri="{91240B29-F687-4F45-9708-019B960494DF}">
-              <a14:hiddenLine xmlns:a14="http://schemas.microsoft.com/office/drawing/2010/main" w="9525">
+              <a14:hiddenLine xmlns="" xmlns:a14="http://schemas.microsoft.com/office/drawing/2010/main" w="9525">
                 <a:solidFill>
                   <a:srgbClr val="000000"/>
                 </a:solidFill>
@@ -6659,7 +6648,7 @@
           </a:ln>
           <a:extLst>
             <a:ext uri="{909E8E84-426E-40DD-AFC4-6F175D3DCCD1}">
-              <a14:hiddenFill xmlns:a14="http://schemas.microsoft.com/office/drawing/2010/main">
+              <a14:hiddenFill xmlns="" xmlns:a14="http://schemas.microsoft.com/office/drawing/2010/main">
                 <a:noFill/>
               </a14:hiddenFill>
             </a:ext>
@@ -6700,7 +6689,7 @@
           </a:ln>
           <a:extLst>
             <a:ext uri="{91240B29-F687-4F45-9708-019B960494DF}">
-              <a14:hiddenLine xmlns:a14="http://schemas.microsoft.com/office/drawing/2010/main" w="9525">
+              <a14:hiddenLine xmlns="" xmlns:a14="http://schemas.microsoft.com/office/drawing/2010/main" w="9525">
                 <a:solidFill>
                   <a:srgbClr val="000000"/>
                 </a:solidFill>
@@ -6750,7 +6739,7 @@
           </a:ln>
           <a:extLst>
             <a:ext uri="{91240B29-F687-4F45-9708-019B960494DF}">
-              <a14:hiddenLine xmlns:a14="http://schemas.microsoft.com/office/drawing/2010/main" w="9525">
+              <a14:hiddenLine xmlns="" xmlns:a14="http://schemas.microsoft.com/office/drawing/2010/main" w="9525">
                 <a:solidFill>
                   <a:srgbClr val="000000"/>
                 </a:solidFill>
@@ -6781,7 +6770,7 @@
           <p:cNvPr id="2" name="文字方塊 1">
             <a:extLst>
               <a:ext uri="{FF2B5EF4-FFF2-40B4-BE49-F238E27FC236}">
-                <a16:creationId xmlns:a16="http://schemas.microsoft.com/office/drawing/2014/main" id="{DD2A17C0-27CE-BD47-AE17-C916235CC8DD}"/>
+                <a16:creationId xmlns="" xmlns:a16="http://schemas.microsoft.com/office/drawing/2014/main" id="{DD2A17C0-27CE-BD47-AE17-C916235CC8DD}"/>
               </a:ext>
             </a:extLst>
           </p:cNvPr>
@@ -6818,7 +6807,7 @@
     </p:spTree>
     <p:extLst>
       <p:ext uri="{BB962C8B-B14F-4D97-AF65-F5344CB8AC3E}">
-        <p14:creationId xmlns:p14="http://schemas.microsoft.com/office/powerpoint/2010/main" val="3245900132"/>
+        <p14:creationId xmlns="" xmlns:p14="http://schemas.microsoft.com/office/powerpoint/2010/main" val="3245900132"/>
       </p:ext>
     </p:extLst>
   </p:cSld>
@@ -6869,7 +6858,7 @@
           </a:ln>
           <a:extLst>
             <a:ext uri="{91240B29-F687-4F45-9708-019B960494DF}">
-              <a14:hiddenLine xmlns:a14="http://schemas.microsoft.com/office/drawing/2010/main" w="9525">
+              <a14:hiddenLine xmlns="" xmlns:a14="http://schemas.microsoft.com/office/drawing/2010/main" w="9525">
                 <a:solidFill>
                   <a:srgbClr val="000000"/>
                 </a:solidFill>
@@ -6919,7 +6908,7 @@
           </a:ln>
           <a:extLst>
             <a:ext uri="{91240B29-F687-4F45-9708-019B960494DF}">
-              <a14:hiddenLine xmlns:a14="http://schemas.microsoft.com/office/drawing/2010/main" w="9525">
+              <a14:hiddenLine xmlns="" xmlns:a14="http://schemas.microsoft.com/office/drawing/2010/main" w="9525">
                 <a:solidFill>
                   <a:srgbClr val="000000"/>
                 </a:solidFill>
@@ -6969,7 +6958,7 @@
           </a:ln>
           <a:extLst>
             <a:ext uri="{91240B29-F687-4F45-9708-019B960494DF}">
-              <a14:hiddenLine xmlns:a14="http://schemas.microsoft.com/office/drawing/2010/main" w="9525">
+              <a14:hiddenLine xmlns="" xmlns:a14="http://schemas.microsoft.com/office/drawing/2010/main" w="9525">
                 <a:solidFill>
                   <a:srgbClr val="000000"/>
                 </a:solidFill>
@@ -7017,14 +7006,14 @@
           </a:ln>
           <a:extLst>
             <a:ext uri="{909E8E84-426E-40DD-AFC4-6F175D3DCCD1}">
-              <a14:hiddenFill xmlns:a14="http://schemas.microsoft.com/office/drawing/2010/main">
+              <a14:hiddenFill xmlns="" xmlns:a14="http://schemas.microsoft.com/office/drawing/2010/main">
                 <a:solidFill>
                   <a:srgbClr val="FFFFFF"/>
                 </a:solidFill>
               </a14:hiddenFill>
             </a:ext>
             <a:ext uri="{91240B29-F687-4F45-9708-019B960494DF}">
-              <a14:hiddenLine xmlns:a14="http://schemas.microsoft.com/office/drawing/2010/main" w="9525">
+              <a14:hiddenLine xmlns="" xmlns:a14="http://schemas.microsoft.com/office/drawing/2010/main" w="9525">
                 <a:solidFill>
                   <a:srgbClr val="000000"/>
                 </a:solidFill>
@@ -7060,7 +7049,7 @@
           <p:cNvPr id="2" name="文字方塊 1">
             <a:extLst>
               <a:ext uri="{FF2B5EF4-FFF2-40B4-BE49-F238E27FC236}">
-                <a16:creationId xmlns:a16="http://schemas.microsoft.com/office/drawing/2014/main" id="{A6055676-2FE2-6045-AFFE-F697595822FC}"/>
+                <a16:creationId xmlns="" xmlns:a16="http://schemas.microsoft.com/office/drawing/2014/main" id="{A6055676-2FE2-6045-AFFE-F697595822FC}"/>
               </a:ext>
             </a:extLst>
           </p:cNvPr>
@@ -7241,7 +7230,7 @@
           <p:cNvPr id="3" name="文字方塊 2">
             <a:extLst>
               <a:ext uri="{FF2B5EF4-FFF2-40B4-BE49-F238E27FC236}">
-                <a16:creationId xmlns:a16="http://schemas.microsoft.com/office/drawing/2014/main" id="{4EE9F333-DFCA-234E-A31C-911BC8FB8A7B}"/>
+                <a16:creationId xmlns="" xmlns:a16="http://schemas.microsoft.com/office/drawing/2014/main" id="{4EE9F333-DFCA-234E-A31C-911BC8FB8A7B}"/>
               </a:ext>
             </a:extLst>
           </p:cNvPr>
@@ -7283,7 +7272,7 @@
     </p:spTree>
     <p:extLst>
       <p:ext uri="{BB962C8B-B14F-4D97-AF65-F5344CB8AC3E}">
-        <p14:creationId xmlns:p14="http://schemas.microsoft.com/office/powerpoint/2010/main" val="661935319"/>
+        <p14:creationId xmlns="" xmlns:p14="http://schemas.microsoft.com/office/powerpoint/2010/main" val="661935319"/>
       </p:ext>
     </p:extLst>
   </p:cSld>
@@ -7334,7 +7323,7 @@
           </a:ln>
           <a:extLst>
             <a:ext uri="{91240B29-F687-4F45-9708-019B960494DF}">
-              <a14:hiddenLine xmlns:a14="http://schemas.microsoft.com/office/drawing/2010/main" w="9525">
+              <a14:hiddenLine xmlns="" xmlns:a14="http://schemas.microsoft.com/office/drawing/2010/main" w="9525">
                 <a:solidFill>
                   <a:srgbClr val="000000"/>
                 </a:solidFill>
@@ -7384,7 +7373,7 @@
           </a:ln>
           <a:extLst>
             <a:ext uri="{91240B29-F687-4F45-9708-019B960494DF}">
-              <a14:hiddenLine xmlns:a14="http://schemas.microsoft.com/office/drawing/2010/main" w="9525">
+              <a14:hiddenLine xmlns="" xmlns:a14="http://schemas.microsoft.com/office/drawing/2010/main" w="9525">
                 <a:solidFill>
                   <a:srgbClr val="000000"/>
                 </a:solidFill>
@@ -7434,7 +7423,7 @@
           </a:ln>
           <a:extLst>
             <a:ext uri="{91240B29-F687-4F45-9708-019B960494DF}">
-              <a14:hiddenLine xmlns:a14="http://schemas.microsoft.com/office/drawing/2010/main" w="9525">
+              <a14:hiddenLine xmlns="" xmlns:a14="http://schemas.microsoft.com/office/drawing/2010/main" w="9525">
                 <a:solidFill>
                   <a:srgbClr val="000000"/>
                 </a:solidFill>
@@ -7482,14 +7471,14 @@
           </a:ln>
           <a:extLst>
             <a:ext uri="{909E8E84-426E-40DD-AFC4-6F175D3DCCD1}">
-              <a14:hiddenFill xmlns:a14="http://schemas.microsoft.com/office/drawing/2010/main">
+              <a14:hiddenFill xmlns="" xmlns:a14="http://schemas.microsoft.com/office/drawing/2010/main">
                 <a:solidFill>
                   <a:srgbClr val="FFFFFF"/>
                 </a:solidFill>
               </a14:hiddenFill>
             </a:ext>
             <a:ext uri="{91240B29-F687-4F45-9708-019B960494DF}">
-              <a14:hiddenLine xmlns:a14="http://schemas.microsoft.com/office/drawing/2010/main" w="9525">
+              <a14:hiddenLine xmlns="" xmlns:a14="http://schemas.microsoft.com/office/drawing/2010/main" w="9525">
                 <a:solidFill>
                   <a:srgbClr val="000000"/>
                 </a:solidFill>
@@ -7522,7 +7511,7 @@
           <p:cNvPr id="2" name="文字方塊 1">
             <a:extLst>
               <a:ext uri="{FF2B5EF4-FFF2-40B4-BE49-F238E27FC236}">
-                <a16:creationId xmlns:a16="http://schemas.microsoft.com/office/drawing/2014/main" id="{A6055676-2FE2-6045-AFFE-F697595822FC}"/>
+                <a16:creationId xmlns="" xmlns:a16="http://schemas.microsoft.com/office/drawing/2014/main" id="{A6055676-2FE2-6045-AFFE-F697595822FC}"/>
               </a:ext>
             </a:extLst>
           </p:cNvPr>
@@ -7605,7 +7594,7 @@
           <p:cNvPr id="3" name="文字方塊 2">
             <a:extLst>
               <a:ext uri="{FF2B5EF4-FFF2-40B4-BE49-F238E27FC236}">
-                <a16:creationId xmlns:a16="http://schemas.microsoft.com/office/drawing/2014/main" id="{4EE9F333-DFCA-234E-A31C-911BC8FB8A7B}"/>
+                <a16:creationId xmlns="" xmlns:a16="http://schemas.microsoft.com/office/drawing/2014/main" id="{4EE9F333-DFCA-234E-A31C-911BC8FB8A7B}"/>
               </a:ext>
             </a:extLst>
           </p:cNvPr>
@@ -7645,7 +7634,7 @@
           <p:cNvPr id="4" name="文字方塊 3">
             <a:extLst>
               <a:ext uri="{FF2B5EF4-FFF2-40B4-BE49-F238E27FC236}">
-                <a16:creationId xmlns:a16="http://schemas.microsoft.com/office/drawing/2014/main" id="{D030CF74-18B9-2F40-B9C8-583CAFB0B7C5}"/>
+                <a16:creationId xmlns="" xmlns:a16="http://schemas.microsoft.com/office/drawing/2014/main" id="{D030CF74-18B9-2F40-B9C8-583CAFB0B7C5}"/>
               </a:ext>
             </a:extLst>
           </p:cNvPr>
@@ -7685,7 +7674,7 @@
           <p:cNvPr id="9" name="文字方塊 8">
             <a:extLst>
               <a:ext uri="{FF2B5EF4-FFF2-40B4-BE49-F238E27FC236}">
-                <a16:creationId xmlns:a16="http://schemas.microsoft.com/office/drawing/2014/main" id="{E55ADEF4-44A8-9F4D-B17A-5D078AB564C3}"/>
+                <a16:creationId xmlns="" xmlns:a16="http://schemas.microsoft.com/office/drawing/2014/main" id="{E55ADEF4-44A8-9F4D-B17A-5D078AB564C3}"/>
               </a:ext>
             </a:extLst>
           </p:cNvPr>
@@ -7852,7 +7841,7 @@
     </p:spTree>
     <p:extLst>
       <p:ext uri="{BB962C8B-B14F-4D97-AF65-F5344CB8AC3E}">
-        <p14:creationId xmlns:p14="http://schemas.microsoft.com/office/powerpoint/2010/main" val="1128510"/>
+        <p14:creationId xmlns="" xmlns:p14="http://schemas.microsoft.com/office/powerpoint/2010/main" val="1128510"/>
       </p:ext>
     </p:extLst>
   </p:cSld>
@@ -8011,7 +8000,7 @@
           </a:ln>
           <a:extLst>
             <a:ext uri="{91240B29-F687-4F45-9708-019B960494DF}">
-              <a14:hiddenLine xmlns:a14="http://schemas.microsoft.com/office/drawing/2010/main" w="9525">
+              <a14:hiddenLine xmlns="" xmlns:a14="http://schemas.microsoft.com/office/drawing/2010/main" w="9525">
                 <a:solidFill>
                   <a:srgbClr val="000000"/>
                 </a:solidFill>
@@ -8046,7 +8035,7 @@
           <a:blip r:embed="rId2">
             <a:extLst>
               <a:ext uri="{28A0092B-C50C-407E-A947-70E740481C1C}">
-                <a14:useLocalDpi xmlns:a14="http://schemas.microsoft.com/office/drawing/2010/main" val="0"/>
+                <a14:useLocalDpi xmlns="" xmlns:a14="http://schemas.microsoft.com/office/drawing/2010/main" val="0"/>
               </a:ext>
             </a:extLst>
           </a:blip>
@@ -8069,14 +8058,14 @@
           </a:ln>
           <a:extLst>
             <a:ext uri="{909E8E84-426E-40DD-AFC4-6F175D3DCCD1}">
-              <a14:hiddenFill xmlns:a14="http://schemas.microsoft.com/office/drawing/2010/main">
+              <a14:hiddenFill xmlns="" xmlns:a14="http://schemas.microsoft.com/office/drawing/2010/main">
                 <a:solidFill>
                   <a:srgbClr val="FFFFFF"/>
                 </a:solidFill>
               </a14:hiddenFill>
             </a:ext>
             <a:ext uri="{91240B29-F687-4F45-9708-019B960494DF}">
-              <a14:hiddenLine xmlns:a14="http://schemas.microsoft.com/office/drawing/2010/main" w="9525">
+              <a14:hiddenLine xmlns="" xmlns:a14="http://schemas.microsoft.com/office/drawing/2010/main" w="9525">
                 <a:solidFill>
                   <a:srgbClr val="000000"/>
                 </a:solidFill>
@@ -8097,10 +8086,10 @@
           <p:nvPr/>
         </p:nvPicPr>
         <p:blipFill>
-          <a:blip r:embed="rId2">
+          <a:blip r:embed="rId3">
             <a:extLst>
               <a:ext uri="{28A0092B-C50C-407E-A947-70E740481C1C}">
-                <a14:useLocalDpi xmlns:a14="http://schemas.microsoft.com/office/drawing/2010/main" val="0"/>
+                <a14:useLocalDpi xmlns="" xmlns:a14="http://schemas.microsoft.com/office/drawing/2010/main" val="0"/>
               </a:ext>
             </a:extLst>
           </a:blip>
@@ -8123,14 +8112,14 @@
           </a:ln>
           <a:extLst>
             <a:ext uri="{909E8E84-426E-40DD-AFC4-6F175D3DCCD1}">
-              <a14:hiddenFill xmlns:a14="http://schemas.microsoft.com/office/drawing/2010/main">
+              <a14:hiddenFill xmlns="" xmlns:a14="http://schemas.microsoft.com/office/drawing/2010/main">
                 <a:solidFill>
                   <a:srgbClr val="FFFFFF"/>
                 </a:solidFill>
               </a14:hiddenFill>
             </a:ext>
             <a:ext uri="{91240B29-F687-4F45-9708-019B960494DF}">
-              <a14:hiddenLine xmlns:a14="http://schemas.microsoft.com/office/drawing/2010/main" w="9525">
+              <a14:hiddenLine xmlns="" xmlns:a14="http://schemas.microsoft.com/office/drawing/2010/main" w="9525">
                 <a:solidFill>
                   <a:srgbClr val="000000"/>
                 </a:solidFill>
@@ -8169,7 +8158,7 @@
           </a:ln>
           <a:extLst>
             <a:ext uri="{909E8E84-426E-40DD-AFC4-6F175D3DCCD1}">
-              <a14:hiddenFill xmlns:a14="http://schemas.microsoft.com/office/drawing/2010/main">
+              <a14:hiddenFill xmlns="" xmlns:a14="http://schemas.microsoft.com/office/drawing/2010/main">
                 <a:noFill/>
               </a14:hiddenFill>
             </a:ext>
@@ -8210,7 +8199,7 @@
           </a:ln>
           <a:extLst>
             <a:ext uri="{91240B29-F687-4F45-9708-019B960494DF}">
-              <a14:hiddenLine xmlns:a14="http://schemas.microsoft.com/office/drawing/2010/main" w="9525">
+              <a14:hiddenLine xmlns="" xmlns:a14="http://schemas.microsoft.com/office/drawing/2010/main" w="9525">
                 <a:solidFill>
                   <a:srgbClr val="000000"/>
                 </a:solidFill>
@@ -8260,7 +8249,7 @@
           </a:ln>
           <a:extLst>
             <a:ext uri="{91240B29-F687-4F45-9708-019B960494DF}">
-              <a14:hiddenLine xmlns:a14="http://schemas.microsoft.com/office/drawing/2010/main" w="9525">
+              <a14:hiddenLine xmlns="" xmlns:a14="http://schemas.microsoft.com/office/drawing/2010/main" w="9525">
                 <a:solidFill>
                   <a:srgbClr val="000000"/>
                 </a:solidFill>
@@ -8291,7 +8280,7 @@
           <p:cNvPr id="2" name="文字方塊 1">
             <a:extLst>
               <a:ext uri="{FF2B5EF4-FFF2-40B4-BE49-F238E27FC236}">
-                <a16:creationId xmlns:a16="http://schemas.microsoft.com/office/drawing/2014/main" id="{DD2A17C0-27CE-BD47-AE17-C916235CC8DD}"/>
+                <a16:creationId xmlns="" xmlns:a16="http://schemas.microsoft.com/office/drawing/2014/main" id="{DD2A17C0-27CE-BD47-AE17-C916235CC8DD}"/>
               </a:ext>
             </a:extLst>
           </p:cNvPr>
@@ -8331,7 +8320,7 @@
     </p:spTree>
     <p:extLst>
       <p:ext uri="{BB962C8B-B14F-4D97-AF65-F5344CB8AC3E}">
-        <p14:creationId xmlns:p14="http://schemas.microsoft.com/office/powerpoint/2010/main" val="1520228527"/>
+        <p14:creationId xmlns="" xmlns:p14="http://schemas.microsoft.com/office/powerpoint/2010/main" val="1520228527"/>
       </p:ext>
     </p:extLst>
   </p:cSld>
@@ -8382,7 +8371,7 @@
           </a:ln>
           <a:extLst>
             <a:ext uri="{91240B29-F687-4F45-9708-019B960494DF}">
-              <a14:hiddenLine xmlns:a14="http://schemas.microsoft.com/office/drawing/2010/main" w="9525">
+              <a14:hiddenLine xmlns="" xmlns:a14="http://schemas.microsoft.com/office/drawing/2010/main" w="9525">
                 <a:solidFill>
                   <a:srgbClr val="000000"/>
                 </a:solidFill>
@@ -8432,7 +8421,7 @@
           </a:ln>
           <a:extLst>
             <a:ext uri="{91240B29-F687-4F45-9708-019B960494DF}">
-              <a14:hiddenLine xmlns:a14="http://schemas.microsoft.com/office/drawing/2010/main" w="9525">
+              <a14:hiddenLine xmlns="" xmlns:a14="http://schemas.microsoft.com/office/drawing/2010/main" w="9525">
                 <a:solidFill>
                   <a:srgbClr val="000000"/>
                 </a:solidFill>
@@ -8482,7 +8471,7 @@
           </a:ln>
           <a:extLst>
             <a:ext uri="{91240B29-F687-4F45-9708-019B960494DF}">
-              <a14:hiddenLine xmlns:a14="http://schemas.microsoft.com/office/drawing/2010/main" w="9525">
+              <a14:hiddenLine xmlns="" xmlns:a14="http://schemas.microsoft.com/office/drawing/2010/main" w="9525">
                 <a:solidFill>
                   <a:srgbClr val="000000"/>
                 </a:solidFill>
@@ -8530,14 +8519,14 @@
           </a:ln>
           <a:extLst>
             <a:ext uri="{909E8E84-426E-40DD-AFC4-6F175D3DCCD1}">
-              <a14:hiddenFill xmlns:a14="http://schemas.microsoft.com/office/drawing/2010/main">
+              <a14:hiddenFill xmlns="" xmlns:a14="http://schemas.microsoft.com/office/drawing/2010/main">
                 <a:solidFill>
                   <a:srgbClr val="FFFFFF"/>
                 </a:solidFill>
               </a14:hiddenFill>
             </a:ext>
             <a:ext uri="{91240B29-F687-4F45-9708-019B960494DF}">
-              <a14:hiddenLine xmlns:a14="http://schemas.microsoft.com/office/drawing/2010/main" w="9525">
+              <a14:hiddenLine xmlns="" xmlns:a14="http://schemas.microsoft.com/office/drawing/2010/main" w="9525">
                 <a:solidFill>
                   <a:srgbClr val="000000"/>
                 </a:solidFill>
@@ -8570,7 +8559,7 @@
           <p:cNvPr id="7" name="文字方塊 6">
             <a:extLst>
               <a:ext uri="{FF2B5EF4-FFF2-40B4-BE49-F238E27FC236}">
-                <a16:creationId xmlns:a16="http://schemas.microsoft.com/office/drawing/2014/main" id="{4EE9F333-DFCA-234E-A31C-911BC8FB8A7B}"/>
+                <a16:creationId xmlns="" xmlns:a16="http://schemas.microsoft.com/office/drawing/2014/main" id="{4EE9F333-DFCA-234E-A31C-911BC8FB8A7B}"/>
               </a:ext>
             </a:extLst>
           </p:cNvPr>
@@ -8616,7 +8605,7 @@
     </p:spTree>
     <p:extLst>
       <p:ext uri="{BB962C8B-B14F-4D97-AF65-F5344CB8AC3E}">
-        <p14:creationId xmlns:p14="http://schemas.microsoft.com/office/powerpoint/2010/main" val="3251001640"/>
+        <p14:creationId xmlns="" xmlns:p14="http://schemas.microsoft.com/office/powerpoint/2010/main" val="3251001640"/>
       </p:ext>
     </p:extLst>
   </p:cSld>
@@ -8815,7 +8804,7 @@
           </a:ln>
           <a:extLst>
             <a:ext uri="{91240B29-F687-4F45-9708-019B960494DF}">
-              <a14:hiddenLine xmlns:a14="http://schemas.microsoft.com/office/drawing/2010/main" w="9525">
+              <a14:hiddenLine xmlns="" xmlns:a14="http://schemas.microsoft.com/office/drawing/2010/main" w="9525">
                 <a:solidFill>
                   <a:srgbClr val="000000"/>
                 </a:solidFill>
@@ -8850,7 +8839,7 @@
           <a:blip r:embed="rId2">
             <a:extLst>
               <a:ext uri="{28A0092B-C50C-407E-A947-70E740481C1C}">
-                <a14:useLocalDpi xmlns:a14="http://schemas.microsoft.com/office/drawing/2010/main" val="0"/>
+                <a14:useLocalDpi xmlns="" xmlns:a14="http://schemas.microsoft.com/office/drawing/2010/main" val="0"/>
               </a:ext>
             </a:extLst>
           </a:blip>
@@ -8872,14 +8861,14 @@
           </a:ln>
           <a:extLst>
             <a:ext uri="{909E8E84-426E-40DD-AFC4-6F175D3DCCD1}">
-              <a14:hiddenFill xmlns:a14="http://schemas.microsoft.com/office/drawing/2010/main">
+              <a14:hiddenFill xmlns="" xmlns:a14="http://schemas.microsoft.com/office/drawing/2010/main">
                 <a:solidFill>
                   <a:srgbClr val="FFFFFF"/>
                 </a:solidFill>
               </a14:hiddenFill>
             </a:ext>
             <a:ext uri="{91240B29-F687-4F45-9708-019B960494DF}">
-              <a14:hiddenLine xmlns:a14="http://schemas.microsoft.com/office/drawing/2010/main" w="9525">
+              <a14:hiddenLine xmlns="" xmlns:a14="http://schemas.microsoft.com/office/drawing/2010/main" w="9525">
                 <a:solidFill>
                   <a:srgbClr val="000000"/>
                 </a:solidFill>
@@ -8900,10 +8889,10 @@
           <p:nvPr/>
         </p:nvPicPr>
         <p:blipFill>
-          <a:blip r:embed="rId2" cstate="print">
+          <a:blip r:embed="rId3" cstate="print">
             <a:extLst>
               <a:ext uri="{28A0092B-C50C-407E-A947-70E740481C1C}">
-                <a14:useLocalDpi xmlns:a14="http://schemas.microsoft.com/office/drawing/2010/main" val="0"/>
+                <a14:useLocalDpi xmlns="" xmlns:a14="http://schemas.microsoft.com/office/drawing/2010/main" val="0"/>
               </a:ext>
             </a:extLst>
           </a:blip>
@@ -8926,14 +8915,14 @@
           </a:ln>
           <a:extLst>
             <a:ext uri="{909E8E84-426E-40DD-AFC4-6F175D3DCCD1}">
-              <a14:hiddenFill xmlns:a14="http://schemas.microsoft.com/office/drawing/2010/main">
+              <a14:hiddenFill xmlns="" xmlns:a14="http://schemas.microsoft.com/office/drawing/2010/main">
                 <a:solidFill>
                   <a:srgbClr val="FFFFFF"/>
                 </a:solidFill>
               </a14:hiddenFill>
             </a:ext>
             <a:ext uri="{91240B29-F687-4F45-9708-019B960494DF}">
-              <a14:hiddenLine xmlns:a14="http://schemas.microsoft.com/office/drawing/2010/main" w="9525">
+              <a14:hiddenLine xmlns="" xmlns:a14="http://schemas.microsoft.com/office/drawing/2010/main" w="9525">
                 <a:solidFill>
                   <a:srgbClr val="000000"/>
                 </a:solidFill>
@@ -8972,7 +8961,7 @@
           </a:ln>
           <a:extLst>
             <a:ext uri="{909E8E84-426E-40DD-AFC4-6F175D3DCCD1}">
-              <a14:hiddenFill xmlns:a14="http://schemas.microsoft.com/office/drawing/2010/main">
+              <a14:hiddenFill xmlns="" xmlns:a14="http://schemas.microsoft.com/office/drawing/2010/main">
                 <a:noFill/>
               </a14:hiddenFill>
             </a:ext>
@@ -9013,7 +9002,7 @@
           </a:ln>
           <a:extLst>
             <a:ext uri="{91240B29-F687-4F45-9708-019B960494DF}">
-              <a14:hiddenLine xmlns:a14="http://schemas.microsoft.com/office/drawing/2010/main" w="9525">
+              <a14:hiddenLine xmlns="" xmlns:a14="http://schemas.microsoft.com/office/drawing/2010/main" w="9525">
                 <a:solidFill>
                   <a:srgbClr val="000000"/>
                 </a:solidFill>
@@ -9382,7 +9371,7 @@
           <p:cNvPr id="25" name="文字方塊 24">
             <a:extLst>
               <a:ext uri="{FF2B5EF4-FFF2-40B4-BE49-F238E27FC236}">
-                <a16:creationId xmlns:a16="http://schemas.microsoft.com/office/drawing/2014/main" id="{FB127AA6-A8B6-A845-B170-6AB0B63520FF}"/>
+                <a16:creationId xmlns="" xmlns:a16="http://schemas.microsoft.com/office/drawing/2014/main" id="{FB127AA6-A8B6-A845-B170-6AB0B63520FF}"/>
               </a:ext>
             </a:extLst>
           </p:cNvPr>
@@ -9435,7 +9424,7 @@
           <p:cNvPr id="29" name="文字方塊 28">
             <a:extLst>
               <a:ext uri="{FF2B5EF4-FFF2-40B4-BE49-F238E27FC236}">
-                <a16:creationId xmlns:a16="http://schemas.microsoft.com/office/drawing/2014/main" id="{A3B7C6C0-0AC0-D14E-9831-5E2232569016}"/>
+                <a16:creationId xmlns="" xmlns:a16="http://schemas.microsoft.com/office/drawing/2014/main" id="{A3B7C6C0-0AC0-D14E-9831-5E2232569016}"/>
               </a:ext>
             </a:extLst>
           </p:cNvPr>
@@ -10167,7 +10156,7 @@
           <p:cNvPr id="47" name="文字方塊 46">
             <a:extLst>
               <a:ext uri="{FF2B5EF4-FFF2-40B4-BE49-F238E27FC236}">
-                <a16:creationId xmlns:a16="http://schemas.microsoft.com/office/drawing/2014/main" id="{FB127AA6-A8B6-A845-B170-6AB0B63520FF}"/>
+                <a16:creationId xmlns="" xmlns:a16="http://schemas.microsoft.com/office/drawing/2014/main" id="{FB127AA6-A8B6-A845-B170-6AB0B63520FF}"/>
               </a:ext>
             </a:extLst>
           </p:cNvPr>
@@ -10220,7 +10209,7 @@
           <p:cNvPr id="48" name="文字方塊 47">
             <a:extLst>
               <a:ext uri="{FF2B5EF4-FFF2-40B4-BE49-F238E27FC236}">
-                <a16:creationId xmlns:a16="http://schemas.microsoft.com/office/drawing/2014/main" id="{FB127AA6-A8B6-A845-B170-6AB0B63520FF}"/>
+                <a16:creationId xmlns="" xmlns:a16="http://schemas.microsoft.com/office/drawing/2014/main" id="{FB127AA6-A8B6-A845-B170-6AB0B63520FF}"/>
               </a:ext>
             </a:extLst>
           </p:cNvPr>
@@ -10385,17 +10374,8 @@
                   <a:cs typeface="Source Sans Pro"/>
                   <a:sym typeface="Source Sans Pro"/>
                 </a:rPr>
-                <a:t>05</a:t>
+                <a:t>07</a:t>
               </a:r>
-              <a:endParaRPr lang="en-US" altLang="zh-TW" b="1" dirty="0">
-                <a:solidFill>
-                  <a:schemeClr val="bg1"/>
-                </a:solidFill>
-                <a:latin typeface="微軟正黑體" panose="020B0604030504040204" pitchFamily="34" charset="-120"/>
-                <a:ea typeface="微軟正黑體" panose="020B0604030504040204" pitchFamily="34" charset="-120"/>
-                <a:cs typeface="Source Sans Pro"/>
-                <a:sym typeface="Source Sans Pro"/>
-              </a:endParaRPr>
             </a:p>
           </p:txBody>
         </p:sp>
@@ -10403,7 +10383,7 @@
     </p:spTree>
     <p:extLst>
       <p:ext uri="{BB962C8B-B14F-4D97-AF65-F5344CB8AC3E}">
-        <p14:creationId xmlns:p14="http://schemas.microsoft.com/office/powerpoint/2010/main" val="1487304138"/>
+        <p14:creationId xmlns="" xmlns:p14="http://schemas.microsoft.com/office/powerpoint/2010/main" val="1487304138"/>
       </p:ext>
     </p:extLst>
   </p:cSld>
@@ -11112,7 +11092,7 @@
           </a:ln>
           <a:extLst>
             <a:ext uri="{91240B29-F687-4F45-9708-019B960494DF}">
-              <a14:hiddenLine xmlns:a14="http://schemas.microsoft.com/office/drawing/2010/main" w="9525">
+              <a14:hiddenLine xmlns="" xmlns:a14="http://schemas.microsoft.com/office/drawing/2010/main" w="9525">
                 <a:solidFill>
                   <a:srgbClr val="000000"/>
                 </a:solidFill>
@@ -11147,7 +11127,7 @@
           <a:blip r:embed="rId2">
             <a:extLst>
               <a:ext uri="{28A0092B-C50C-407E-A947-70E740481C1C}">
-                <a14:useLocalDpi xmlns:a14="http://schemas.microsoft.com/office/drawing/2010/main" val="0"/>
+                <a14:useLocalDpi xmlns="" xmlns:a14="http://schemas.microsoft.com/office/drawing/2010/main" val="0"/>
               </a:ext>
             </a:extLst>
           </a:blip>
@@ -11170,14 +11150,14 @@
           </a:ln>
           <a:extLst>
             <a:ext uri="{909E8E84-426E-40DD-AFC4-6F175D3DCCD1}">
-              <a14:hiddenFill xmlns:a14="http://schemas.microsoft.com/office/drawing/2010/main">
+              <a14:hiddenFill xmlns="" xmlns:a14="http://schemas.microsoft.com/office/drawing/2010/main">
                 <a:solidFill>
                   <a:srgbClr val="FFFFFF"/>
                 </a:solidFill>
               </a14:hiddenFill>
             </a:ext>
             <a:ext uri="{91240B29-F687-4F45-9708-019B960494DF}">
-              <a14:hiddenLine xmlns:a14="http://schemas.microsoft.com/office/drawing/2010/main" w="9525">
+              <a14:hiddenLine xmlns="" xmlns:a14="http://schemas.microsoft.com/office/drawing/2010/main" w="9525">
                 <a:solidFill>
                   <a:srgbClr val="000000"/>
                 </a:solidFill>
@@ -11198,10 +11178,10 @@
           <p:nvPr/>
         </p:nvPicPr>
         <p:blipFill>
-          <a:blip r:embed="rId2">
+          <a:blip r:embed="rId3">
             <a:extLst>
               <a:ext uri="{28A0092B-C50C-407E-A947-70E740481C1C}">
-                <a14:useLocalDpi xmlns:a14="http://schemas.microsoft.com/office/drawing/2010/main" val="0"/>
+                <a14:useLocalDpi xmlns="" xmlns:a14="http://schemas.microsoft.com/office/drawing/2010/main" val="0"/>
               </a:ext>
             </a:extLst>
           </a:blip>
@@ -11224,14 +11204,14 @@
           </a:ln>
           <a:extLst>
             <a:ext uri="{909E8E84-426E-40DD-AFC4-6F175D3DCCD1}">
-              <a14:hiddenFill xmlns:a14="http://schemas.microsoft.com/office/drawing/2010/main">
+              <a14:hiddenFill xmlns="" xmlns:a14="http://schemas.microsoft.com/office/drawing/2010/main">
                 <a:solidFill>
                   <a:srgbClr val="FFFFFF"/>
                 </a:solidFill>
               </a14:hiddenFill>
             </a:ext>
             <a:ext uri="{91240B29-F687-4F45-9708-019B960494DF}">
-              <a14:hiddenLine xmlns:a14="http://schemas.microsoft.com/office/drawing/2010/main" w="9525">
+              <a14:hiddenLine xmlns="" xmlns:a14="http://schemas.microsoft.com/office/drawing/2010/main" w="9525">
                 <a:solidFill>
                   <a:srgbClr val="000000"/>
                 </a:solidFill>
@@ -11270,7 +11250,7 @@
           </a:ln>
           <a:extLst>
             <a:ext uri="{909E8E84-426E-40DD-AFC4-6F175D3DCCD1}">
-              <a14:hiddenFill xmlns:a14="http://schemas.microsoft.com/office/drawing/2010/main">
+              <a14:hiddenFill xmlns="" xmlns:a14="http://schemas.microsoft.com/office/drawing/2010/main">
                 <a:noFill/>
               </a14:hiddenFill>
             </a:ext>
@@ -11311,7 +11291,7 @@
           </a:ln>
           <a:extLst>
             <a:ext uri="{91240B29-F687-4F45-9708-019B960494DF}">
-              <a14:hiddenLine xmlns:a14="http://schemas.microsoft.com/office/drawing/2010/main" w="9525">
+              <a14:hiddenLine xmlns="" xmlns:a14="http://schemas.microsoft.com/office/drawing/2010/main" w="9525">
                 <a:solidFill>
                   <a:srgbClr val="000000"/>
                 </a:solidFill>
@@ -11361,7 +11341,7 @@
           </a:ln>
           <a:extLst>
             <a:ext uri="{91240B29-F687-4F45-9708-019B960494DF}">
-              <a14:hiddenLine xmlns:a14="http://schemas.microsoft.com/office/drawing/2010/main" w="9525">
+              <a14:hiddenLine xmlns="" xmlns:a14="http://schemas.microsoft.com/office/drawing/2010/main" w="9525">
                 <a:solidFill>
                   <a:srgbClr val="000000"/>
                 </a:solidFill>
@@ -11392,7 +11372,7 @@
           <p:cNvPr id="2" name="文字方塊 1">
             <a:extLst>
               <a:ext uri="{FF2B5EF4-FFF2-40B4-BE49-F238E27FC236}">
-                <a16:creationId xmlns:a16="http://schemas.microsoft.com/office/drawing/2014/main" id="{DD2A17C0-27CE-BD47-AE17-C916235CC8DD}"/>
+                <a16:creationId xmlns="" xmlns:a16="http://schemas.microsoft.com/office/drawing/2014/main" id="{DD2A17C0-27CE-BD47-AE17-C916235CC8DD}"/>
               </a:ext>
             </a:extLst>
           </p:cNvPr>
@@ -11429,7 +11409,7 @@
     </p:spTree>
     <p:extLst>
       <p:ext uri="{BB962C8B-B14F-4D97-AF65-F5344CB8AC3E}">
-        <p14:creationId xmlns:p14="http://schemas.microsoft.com/office/powerpoint/2010/main" val="2480854576"/>
+        <p14:creationId xmlns="" xmlns:p14="http://schemas.microsoft.com/office/powerpoint/2010/main" val="2480854576"/>
       </p:ext>
     </p:extLst>
   </p:cSld>
@@ -11480,7 +11460,7 @@
           </a:ln>
           <a:extLst>
             <a:ext uri="{91240B29-F687-4F45-9708-019B960494DF}">
-              <a14:hiddenLine xmlns:a14="http://schemas.microsoft.com/office/drawing/2010/main" w="9525">
+              <a14:hiddenLine xmlns="" xmlns:a14="http://schemas.microsoft.com/office/drawing/2010/main" w="9525">
                 <a:solidFill>
                   <a:srgbClr val="000000"/>
                 </a:solidFill>
@@ -11530,7 +11510,7 @@
           </a:ln>
           <a:extLst>
             <a:ext uri="{91240B29-F687-4F45-9708-019B960494DF}">
-              <a14:hiddenLine xmlns:a14="http://schemas.microsoft.com/office/drawing/2010/main" w="9525">
+              <a14:hiddenLine xmlns="" xmlns:a14="http://schemas.microsoft.com/office/drawing/2010/main" w="9525">
                 <a:solidFill>
                   <a:srgbClr val="000000"/>
                 </a:solidFill>
@@ -11580,7 +11560,7 @@
           </a:ln>
           <a:extLst>
             <a:ext uri="{91240B29-F687-4F45-9708-019B960494DF}">
-              <a14:hiddenLine xmlns:a14="http://schemas.microsoft.com/office/drawing/2010/main" w="9525">
+              <a14:hiddenLine xmlns="" xmlns:a14="http://schemas.microsoft.com/office/drawing/2010/main" w="9525">
                 <a:solidFill>
                   <a:srgbClr val="000000"/>
                 </a:solidFill>
@@ -11628,14 +11608,14 @@
           </a:ln>
           <a:extLst>
             <a:ext uri="{909E8E84-426E-40DD-AFC4-6F175D3DCCD1}">
-              <a14:hiddenFill xmlns:a14="http://schemas.microsoft.com/office/drawing/2010/main">
+              <a14:hiddenFill xmlns="" xmlns:a14="http://schemas.microsoft.com/office/drawing/2010/main">
                 <a:solidFill>
                   <a:srgbClr val="FFFFFF"/>
                 </a:solidFill>
               </a14:hiddenFill>
             </a:ext>
             <a:ext uri="{91240B29-F687-4F45-9708-019B960494DF}">
-              <a14:hiddenLine xmlns:a14="http://schemas.microsoft.com/office/drawing/2010/main" w="9525">
+              <a14:hiddenLine xmlns="" xmlns:a14="http://schemas.microsoft.com/office/drawing/2010/main" w="9525">
                 <a:solidFill>
                   <a:srgbClr val="000000"/>
                 </a:solidFill>
@@ -11675,7 +11655,7 @@
           <a:blip r:embed="rId2">
             <a:extLst>
               <a:ext uri="{28A0092B-C50C-407E-A947-70E740481C1C}">
-                <a14:useLocalDpi xmlns:a14="http://schemas.microsoft.com/office/drawing/2010/main" val="0"/>
+                <a14:useLocalDpi xmlns="" xmlns:a14="http://schemas.microsoft.com/office/drawing/2010/main" val="0"/>
               </a:ext>
             </a:extLst>
           </a:blip>
@@ -11696,7 +11676,7 @@
     </p:spTree>
     <p:extLst>
       <p:ext uri="{BB962C8B-B14F-4D97-AF65-F5344CB8AC3E}">
-        <p14:creationId xmlns:p14="http://schemas.microsoft.com/office/powerpoint/2010/main" val="2926270200"/>
+        <p14:creationId xmlns="" xmlns:p14="http://schemas.microsoft.com/office/powerpoint/2010/main" val="2926270200"/>
       </p:ext>
     </p:extLst>
   </p:cSld>
@@ -11851,7 +11831,7 @@
           </a:ln>
           <a:extLst>
             <a:ext uri="{91240B29-F687-4F45-9708-019B960494DF}">
-              <a14:hiddenLine xmlns:a14="http://schemas.microsoft.com/office/drawing/2010/main" w="9525">
+              <a14:hiddenLine xmlns="" xmlns:a14="http://schemas.microsoft.com/office/drawing/2010/main" w="9525">
                 <a:solidFill>
                   <a:srgbClr val="000000"/>
                 </a:solidFill>
@@ -11901,7 +11881,7 @@
           </a:ln>
           <a:extLst>
             <a:ext uri="{91240B29-F687-4F45-9708-019B960494DF}">
-              <a14:hiddenLine xmlns:a14="http://schemas.microsoft.com/office/drawing/2010/main" w="9525">
+              <a14:hiddenLine xmlns="" xmlns:a14="http://schemas.microsoft.com/office/drawing/2010/main" w="9525">
                 <a:solidFill>
                   <a:srgbClr val="000000"/>
                 </a:solidFill>
@@ -11951,7 +11931,7 @@
           </a:ln>
           <a:extLst>
             <a:ext uri="{91240B29-F687-4F45-9708-019B960494DF}">
-              <a14:hiddenLine xmlns:a14="http://schemas.microsoft.com/office/drawing/2010/main" w="9525">
+              <a14:hiddenLine xmlns="" xmlns:a14="http://schemas.microsoft.com/office/drawing/2010/main" w="9525">
                 <a:solidFill>
                   <a:srgbClr val="000000"/>
                 </a:solidFill>
@@ -12001,7 +11981,7 @@
           </a:ln>
           <a:extLst>
             <a:ext uri="{91240B29-F687-4F45-9708-019B960494DF}">
-              <a14:hiddenLine xmlns:a14="http://schemas.microsoft.com/office/drawing/2010/main" w="9525">
+              <a14:hiddenLine xmlns="" xmlns:a14="http://schemas.microsoft.com/office/drawing/2010/main" w="9525">
                 <a:solidFill>
                   <a:srgbClr val="000000"/>
                 </a:solidFill>
@@ -12051,7 +12031,7 @@
           </a:ln>
           <a:extLst>
             <a:ext uri="{91240B29-F687-4F45-9708-019B960494DF}">
-              <a14:hiddenLine xmlns:a14="http://schemas.microsoft.com/office/drawing/2010/main" w="9525">
+              <a14:hiddenLine xmlns="" xmlns:a14="http://schemas.microsoft.com/office/drawing/2010/main" w="9525">
                 <a:solidFill>
                   <a:srgbClr val="000000"/>
                 </a:solidFill>
@@ -12101,7 +12081,7 @@
           </a:ln>
           <a:extLst>
             <a:ext uri="{91240B29-F687-4F45-9708-019B960494DF}">
-              <a14:hiddenLine xmlns:a14="http://schemas.microsoft.com/office/drawing/2010/main" w="9525">
+              <a14:hiddenLine xmlns="" xmlns:a14="http://schemas.microsoft.com/office/drawing/2010/main" w="9525">
                 <a:solidFill>
                   <a:srgbClr val="000000"/>
                 </a:solidFill>
@@ -12151,7 +12131,7 @@
           </a:ln>
           <a:extLst>
             <a:ext uri="{91240B29-F687-4F45-9708-019B960494DF}">
-              <a14:hiddenLine xmlns:a14="http://schemas.microsoft.com/office/drawing/2010/main" w="9525">
+              <a14:hiddenLine xmlns="" xmlns:a14="http://schemas.microsoft.com/office/drawing/2010/main" w="9525">
                 <a:solidFill>
                   <a:srgbClr val="000000"/>
                 </a:solidFill>
@@ -12201,7 +12181,7 @@
           </a:ln>
           <a:extLst>
             <a:ext uri="{91240B29-F687-4F45-9708-019B960494DF}">
-              <a14:hiddenLine xmlns:a14="http://schemas.microsoft.com/office/drawing/2010/main" w="9525">
+              <a14:hiddenLine xmlns="" xmlns:a14="http://schemas.microsoft.com/office/drawing/2010/main" w="9525">
                 <a:solidFill>
                   <a:srgbClr val="000000"/>
                 </a:solidFill>
@@ -12251,7 +12231,7 @@
           </a:ln>
           <a:extLst>
             <a:ext uri="{91240B29-F687-4F45-9708-019B960494DF}">
-              <a14:hiddenLine xmlns:a14="http://schemas.microsoft.com/office/drawing/2010/main" w="9525">
+              <a14:hiddenLine xmlns="" xmlns:a14="http://schemas.microsoft.com/office/drawing/2010/main" w="9525">
                 <a:solidFill>
                   <a:srgbClr val="000000"/>
                 </a:solidFill>
@@ -12301,7 +12281,7 @@
           </a:ln>
           <a:extLst>
             <a:ext uri="{91240B29-F687-4F45-9708-019B960494DF}">
-              <a14:hiddenLine xmlns:a14="http://schemas.microsoft.com/office/drawing/2010/main" w="9525">
+              <a14:hiddenLine xmlns="" xmlns:a14="http://schemas.microsoft.com/office/drawing/2010/main" w="9525">
                 <a:solidFill>
                   <a:srgbClr val="000000"/>
                 </a:solidFill>
@@ -12351,7 +12331,7 @@
           </a:ln>
           <a:extLst>
             <a:ext uri="{91240B29-F687-4F45-9708-019B960494DF}">
-              <a14:hiddenLine xmlns:a14="http://schemas.microsoft.com/office/drawing/2010/main" w="9525">
+              <a14:hiddenLine xmlns="" xmlns:a14="http://schemas.microsoft.com/office/drawing/2010/main" w="9525">
                 <a:solidFill>
                   <a:srgbClr val="000000"/>
                 </a:solidFill>
@@ -12399,14 +12379,14 @@
           </a:ln>
           <a:extLst>
             <a:ext uri="{909E8E84-426E-40DD-AFC4-6F175D3DCCD1}">
-              <a14:hiddenFill xmlns:a14="http://schemas.microsoft.com/office/drawing/2010/main">
+              <a14:hiddenFill xmlns="" xmlns:a14="http://schemas.microsoft.com/office/drawing/2010/main">
                 <a:solidFill>
                   <a:srgbClr val="FFFFFF"/>
                 </a:solidFill>
               </a14:hiddenFill>
             </a:ext>
             <a:ext uri="{91240B29-F687-4F45-9708-019B960494DF}">
-              <a14:hiddenLine xmlns:a14="http://schemas.microsoft.com/office/drawing/2010/main" w="9525">
+              <a14:hiddenLine xmlns="" xmlns:a14="http://schemas.microsoft.com/office/drawing/2010/main" w="9525">
                 <a:solidFill>
                   <a:srgbClr val="000000"/>
                 </a:solidFill>
@@ -12451,7 +12431,7 @@
             <a:biLevel thresh="50000"/>
             <a:extLst>
               <a:ext uri="{28A0092B-C50C-407E-A947-70E740481C1C}">
-                <a14:useLocalDpi xmlns:a14="http://schemas.microsoft.com/office/drawing/2010/main" val="0"/>
+                <a14:useLocalDpi xmlns="" xmlns:a14="http://schemas.microsoft.com/office/drawing/2010/main" val="0"/>
               </a:ext>
             </a:extLst>
           </a:blip>
@@ -12474,14 +12454,14 @@
           </a:ln>
           <a:extLst>
             <a:ext uri="{909E8E84-426E-40DD-AFC4-6F175D3DCCD1}">
-              <a14:hiddenFill xmlns:a14="http://schemas.microsoft.com/office/drawing/2010/main">
+              <a14:hiddenFill xmlns="" xmlns:a14="http://schemas.microsoft.com/office/drawing/2010/main">
                 <a:solidFill>
                   <a:srgbClr val="FFFFFF"/>
                 </a:solidFill>
               </a14:hiddenFill>
             </a:ext>
             <a:ext uri="{91240B29-F687-4F45-9708-019B960494DF}">
-              <a14:hiddenLine xmlns:a14="http://schemas.microsoft.com/office/drawing/2010/main" w="9525">
+              <a14:hiddenLine xmlns="" xmlns:a14="http://schemas.microsoft.com/office/drawing/2010/main" w="9525">
                 <a:solidFill>
                   <a:srgbClr val="000000"/>
                 </a:solidFill>
@@ -12502,10 +12482,10 @@
           <p:nvPr/>
         </p:nvPicPr>
         <p:blipFill>
-          <a:blip r:embed="rId2">
+          <a:blip r:embed="rId3">
             <a:extLst>
               <a:ext uri="{28A0092B-C50C-407E-A947-70E740481C1C}">
-                <a14:useLocalDpi xmlns:a14="http://schemas.microsoft.com/office/drawing/2010/main" val="0"/>
+                <a14:useLocalDpi xmlns="" xmlns:a14="http://schemas.microsoft.com/office/drawing/2010/main" val="0"/>
               </a:ext>
             </a:extLst>
           </a:blip>
@@ -12528,14 +12508,14 @@
           </a:ln>
           <a:extLst>
             <a:ext uri="{909E8E84-426E-40DD-AFC4-6F175D3DCCD1}">
-              <a14:hiddenFill xmlns:a14="http://schemas.microsoft.com/office/drawing/2010/main">
+              <a14:hiddenFill xmlns="" xmlns:a14="http://schemas.microsoft.com/office/drawing/2010/main">
                 <a:solidFill>
                   <a:srgbClr val="FFFFFF"/>
                 </a:solidFill>
               </a14:hiddenFill>
             </a:ext>
             <a:ext uri="{91240B29-F687-4F45-9708-019B960494DF}">
-              <a14:hiddenLine xmlns:a14="http://schemas.microsoft.com/office/drawing/2010/main" w="9525">
+              <a14:hiddenLine xmlns="" xmlns:a14="http://schemas.microsoft.com/office/drawing/2010/main" w="9525">
                 <a:solidFill>
                   <a:srgbClr val="000000"/>
                 </a:solidFill>
@@ -12556,12 +12536,12 @@
           <p:nvPr/>
         </p:nvPicPr>
         <p:blipFill>
-          <a:blip r:embed="rId2">
+          <a:blip r:embed="rId4">
             <a:grayscl/>
             <a:biLevel thresh="50000"/>
             <a:extLst>
               <a:ext uri="{28A0092B-C50C-407E-A947-70E740481C1C}">
-                <a14:useLocalDpi xmlns:a14="http://schemas.microsoft.com/office/drawing/2010/main" val="0"/>
+                <a14:useLocalDpi xmlns="" xmlns:a14="http://schemas.microsoft.com/office/drawing/2010/main" val="0"/>
               </a:ext>
             </a:extLst>
           </a:blip>
@@ -12584,14 +12564,14 @@
           </a:ln>
           <a:extLst>
             <a:ext uri="{909E8E84-426E-40DD-AFC4-6F175D3DCCD1}">
-              <a14:hiddenFill xmlns:a14="http://schemas.microsoft.com/office/drawing/2010/main">
+              <a14:hiddenFill xmlns="" xmlns:a14="http://schemas.microsoft.com/office/drawing/2010/main">
                 <a:solidFill>
                   <a:srgbClr val="FFFFFF"/>
                 </a:solidFill>
               </a14:hiddenFill>
             </a:ext>
             <a:ext uri="{91240B29-F687-4F45-9708-019B960494DF}">
-              <a14:hiddenLine xmlns:a14="http://schemas.microsoft.com/office/drawing/2010/main" w="9525">
+              <a14:hiddenLine xmlns="" xmlns:a14="http://schemas.microsoft.com/office/drawing/2010/main" w="9525">
                 <a:solidFill>
                   <a:srgbClr val="000000"/>
                 </a:solidFill>
@@ -12612,12 +12592,12 @@
           <p:nvPr/>
         </p:nvPicPr>
         <p:blipFill>
-          <a:blip r:embed="rId2" cstate="print">
+          <a:blip r:embed="rId5" cstate="print">
             <a:grayscl/>
             <a:biLevel thresh="50000"/>
             <a:extLst>
               <a:ext uri="{28A0092B-C50C-407E-A947-70E740481C1C}">
-                <a14:useLocalDpi xmlns:a14="http://schemas.microsoft.com/office/drawing/2010/main" val="0"/>
+                <a14:useLocalDpi xmlns="" xmlns:a14="http://schemas.microsoft.com/office/drawing/2010/main" val="0"/>
               </a:ext>
             </a:extLst>
           </a:blip>
@@ -12640,14 +12620,14 @@
           </a:ln>
           <a:extLst>
             <a:ext uri="{909E8E84-426E-40DD-AFC4-6F175D3DCCD1}">
-              <a14:hiddenFill xmlns:a14="http://schemas.microsoft.com/office/drawing/2010/main">
+              <a14:hiddenFill xmlns="" xmlns:a14="http://schemas.microsoft.com/office/drawing/2010/main">
                 <a:solidFill>
                   <a:srgbClr val="FFFFFF"/>
                 </a:solidFill>
               </a14:hiddenFill>
             </a:ext>
             <a:ext uri="{91240B29-F687-4F45-9708-019B960494DF}">
-              <a14:hiddenLine xmlns:a14="http://schemas.microsoft.com/office/drawing/2010/main" w="9525">
+              <a14:hiddenLine xmlns="" xmlns:a14="http://schemas.microsoft.com/office/drawing/2010/main" w="9525">
                 <a:solidFill>
                   <a:srgbClr val="000000"/>
                 </a:solidFill>
@@ -12668,12 +12648,12 @@
           <p:nvPr/>
         </p:nvPicPr>
         <p:blipFill>
-          <a:blip r:embed="rId2" cstate="print">
+          <a:blip r:embed="rId6" cstate="print">
             <a:grayscl/>
             <a:biLevel thresh="50000"/>
             <a:extLst>
               <a:ext uri="{28A0092B-C50C-407E-A947-70E740481C1C}">
-                <a14:useLocalDpi xmlns:a14="http://schemas.microsoft.com/office/drawing/2010/main" val="0"/>
+                <a14:useLocalDpi xmlns="" xmlns:a14="http://schemas.microsoft.com/office/drawing/2010/main" val="0"/>
               </a:ext>
             </a:extLst>
           </a:blip>
@@ -12696,14 +12676,14 @@
           </a:ln>
           <a:extLst>
             <a:ext uri="{909E8E84-426E-40DD-AFC4-6F175D3DCCD1}">
-              <a14:hiddenFill xmlns:a14="http://schemas.microsoft.com/office/drawing/2010/main">
+              <a14:hiddenFill xmlns="" xmlns:a14="http://schemas.microsoft.com/office/drawing/2010/main">
                 <a:solidFill>
                   <a:srgbClr val="FFFFFF"/>
                 </a:solidFill>
               </a14:hiddenFill>
             </a:ext>
             <a:ext uri="{91240B29-F687-4F45-9708-019B960494DF}">
-              <a14:hiddenLine xmlns:a14="http://schemas.microsoft.com/office/drawing/2010/main" w="9525">
+              <a14:hiddenLine xmlns="" xmlns:a14="http://schemas.microsoft.com/office/drawing/2010/main" w="9525">
                 <a:solidFill>
                   <a:srgbClr val="000000"/>
                 </a:solidFill>
@@ -12724,10 +12704,10 @@
           <p:nvPr/>
         </p:nvPicPr>
         <p:blipFill>
-          <a:blip r:embed="rId2">
+          <a:blip r:embed="rId7">
             <a:extLst>
               <a:ext uri="{28A0092B-C50C-407E-A947-70E740481C1C}">
-                <a14:useLocalDpi xmlns:a14="http://schemas.microsoft.com/office/drawing/2010/main" val="0"/>
+                <a14:useLocalDpi xmlns="" xmlns:a14="http://schemas.microsoft.com/office/drawing/2010/main" val="0"/>
               </a:ext>
             </a:extLst>
           </a:blip>
@@ -12750,14 +12730,14 @@
           </a:ln>
           <a:extLst>
             <a:ext uri="{909E8E84-426E-40DD-AFC4-6F175D3DCCD1}">
-              <a14:hiddenFill xmlns:a14="http://schemas.microsoft.com/office/drawing/2010/main">
+              <a14:hiddenFill xmlns="" xmlns:a14="http://schemas.microsoft.com/office/drawing/2010/main">
                 <a:solidFill>
                   <a:srgbClr val="FFFFFF"/>
                 </a:solidFill>
               </a14:hiddenFill>
             </a:ext>
             <a:ext uri="{91240B29-F687-4F45-9708-019B960494DF}">
-              <a14:hiddenLine xmlns:a14="http://schemas.microsoft.com/office/drawing/2010/main" w="9525">
+              <a14:hiddenLine xmlns="" xmlns:a14="http://schemas.microsoft.com/office/drawing/2010/main" w="9525">
                 <a:solidFill>
                   <a:srgbClr val="000000"/>
                 </a:solidFill>
@@ -12926,7 +12906,7 @@
           </a:ln>
           <a:extLst>
             <a:ext uri="{91240B29-F687-4F45-9708-019B960494DF}">
-              <a14:hiddenLine xmlns:a14="http://schemas.microsoft.com/office/drawing/2010/main" w="9525">
+              <a14:hiddenLine xmlns="" xmlns:a14="http://schemas.microsoft.com/office/drawing/2010/main" w="9525">
                 <a:solidFill>
                   <a:srgbClr val="000000"/>
                 </a:solidFill>
@@ -12961,7 +12941,7 @@
           <a:blip r:embed="rId2">
             <a:extLst>
               <a:ext uri="{28A0092B-C50C-407E-A947-70E740481C1C}">
-                <a14:useLocalDpi xmlns:a14="http://schemas.microsoft.com/office/drawing/2010/main" val="0"/>
+                <a14:useLocalDpi xmlns="" xmlns:a14="http://schemas.microsoft.com/office/drawing/2010/main" val="0"/>
               </a:ext>
             </a:extLst>
           </a:blip>
@@ -12984,14 +12964,14 @@
           </a:ln>
           <a:extLst>
             <a:ext uri="{909E8E84-426E-40DD-AFC4-6F175D3DCCD1}">
-              <a14:hiddenFill xmlns:a14="http://schemas.microsoft.com/office/drawing/2010/main">
+              <a14:hiddenFill xmlns="" xmlns:a14="http://schemas.microsoft.com/office/drawing/2010/main">
                 <a:solidFill>
                   <a:srgbClr val="FFFFFF"/>
                 </a:solidFill>
               </a14:hiddenFill>
             </a:ext>
             <a:ext uri="{91240B29-F687-4F45-9708-019B960494DF}">
-              <a14:hiddenLine xmlns:a14="http://schemas.microsoft.com/office/drawing/2010/main" w="9525">
+              <a14:hiddenLine xmlns="" xmlns:a14="http://schemas.microsoft.com/office/drawing/2010/main" w="9525">
                 <a:solidFill>
                   <a:srgbClr val="000000"/>
                 </a:solidFill>
@@ -13012,10 +12992,10 @@
           <p:nvPr/>
         </p:nvPicPr>
         <p:blipFill>
-          <a:blip r:embed="rId2">
+          <a:blip r:embed="rId3">
             <a:extLst>
               <a:ext uri="{28A0092B-C50C-407E-A947-70E740481C1C}">
-                <a14:useLocalDpi xmlns:a14="http://schemas.microsoft.com/office/drawing/2010/main" val="0"/>
+                <a14:useLocalDpi xmlns="" xmlns:a14="http://schemas.microsoft.com/office/drawing/2010/main" val="0"/>
               </a:ext>
             </a:extLst>
           </a:blip>
@@ -13038,14 +13018,14 @@
           </a:ln>
           <a:extLst>
             <a:ext uri="{909E8E84-426E-40DD-AFC4-6F175D3DCCD1}">
-              <a14:hiddenFill xmlns:a14="http://schemas.microsoft.com/office/drawing/2010/main">
+              <a14:hiddenFill xmlns="" xmlns:a14="http://schemas.microsoft.com/office/drawing/2010/main">
                 <a:solidFill>
                   <a:srgbClr val="FFFFFF"/>
                 </a:solidFill>
               </a14:hiddenFill>
             </a:ext>
             <a:ext uri="{91240B29-F687-4F45-9708-019B960494DF}">
-              <a14:hiddenLine xmlns:a14="http://schemas.microsoft.com/office/drawing/2010/main" w="9525">
+              <a14:hiddenLine xmlns="" xmlns:a14="http://schemas.microsoft.com/office/drawing/2010/main" w="9525">
                 <a:solidFill>
                   <a:srgbClr val="000000"/>
                 </a:solidFill>
@@ -13084,7 +13064,7 @@
           </a:ln>
           <a:extLst>
             <a:ext uri="{909E8E84-426E-40DD-AFC4-6F175D3DCCD1}">
-              <a14:hiddenFill xmlns:a14="http://schemas.microsoft.com/office/drawing/2010/main">
+              <a14:hiddenFill xmlns="" xmlns:a14="http://schemas.microsoft.com/office/drawing/2010/main">
                 <a:noFill/>
               </a14:hiddenFill>
             </a:ext>
@@ -13125,7 +13105,7 @@
           </a:ln>
           <a:extLst>
             <a:ext uri="{91240B29-F687-4F45-9708-019B960494DF}">
-              <a14:hiddenLine xmlns:a14="http://schemas.microsoft.com/office/drawing/2010/main" w="9525">
+              <a14:hiddenLine xmlns="" xmlns:a14="http://schemas.microsoft.com/office/drawing/2010/main" w="9525">
                 <a:solidFill>
                   <a:srgbClr val="000000"/>
                 </a:solidFill>
@@ -13175,7 +13155,7 @@
           </a:ln>
           <a:extLst>
             <a:ext uri="{91240B29-F687-4F45-9708-019B960494DF}">
-              <a14:hiddenLine xmlns:a14="http://schemas.microsoft.com/office/drawing/2010/main" w="9525">
+              <a14:hiddenLine xmlns="" xmlns:a14="http://schemas.microsoft.com/office/drawing/2010/main" w="9525">
                 <a:solidFill>
                   <a:srgbClr val="000000"/>
                 </a:solidFill>
@@ -13206,7 +13186,7 @@
           <p:cNvPr id="2" name="文字方塊 1">
             <a:extLst>
               <a:ext uri="{FF2B5EF4-FFF2-40B4-BE49-F238E27FC236}">
-                <a16:creationId xmlns:a16="http://schemas.microsoft.com/office/drawing/2014/main" id="{DD2A17C0-27CE-BD47-AE17-C916235CC8DD}"/>
+                <a16:creationId xmlns="" xmlns:a16="http://schemas.microsoft.com/office/drawing/2014/main" id="{DD2A17C0-27CE-BD47-AE17-C916235CC8DD}"/>
               </a:ext>
             </a:extLst>
           </p:cNvPr>
@@ -13246,7 +13226,7 @@
     </p:spTree>
     <p:extLst>
       <p:ext uri="{BB962C8B-B14F-4D97-AF65-F5344CB8AC3E}">
-        <p14:creationId xmlns:p14="http://schemas.microsoft.com/office/powerpoint/2010/main" val="1852425880"/>
+        <p14:creationId xmlns="" xmlns:p14="http://schemas.microsoft.com/office/powerpoint/2010/main" val="1852425880"/>
       </p:ext>
     </p:extLst>
   </p:cSld>
@@ -13297,7 +13277,7 @@
           </a:ln>
           <a:extLst>
             <a:ext uri="{91240B29-F687-4F45-9708-019B960494DF}">
-              <a14:hiddenLine xmlns:a14="http://schemas.microsoft.com/office/drawing/2010/main" w="9525">
+              <a14:hiddenLine xmlns="" xmlns:a14="http://schemas.microsoft.com/office/drawing/2010/main" w="9525">
                 <a:solidFill>
                   <a:srgbClr val="000000"/>
                 </a:solidFill>
@@ -13347,7 +13327,7 @@
           </a:ln>
           <a:extLst>
             <a:ext uri="{91240B29-F687-4F45-9708-019B960494DF}">
-              <a14:hiddenLine xmlns:a14="http://schemas.microsoft.com/office/drawing/2010/main" w="9525">
+              <a14:hiddenLine xmlns="" xmlns:a14="http://schemas.microsoft.com/office/drawing/2010/main" w="9525">
                 <a:solidFill>
                   <a:srgbClr val="000000"/>
                 </a:solidFill>
@@ -13397,7 +13377,7 @@
           </a:ln>
           <a:extLst>
             <a:ext uri="{91240B29-F687-4F45-9708-019B960494DF}">
-              <a14:hiddenLine xmlns:a14="http://schemas.microsoft.com/office/drawing/2010/main" w="9525">
+              <a14:hiddenLine xmlns="" xmlns:a14="http://schemas.microsoft.com/office/drawing/2010/main" w="9525">
                 <a:solidFill>
                   <a:srgbClr val="000000"/>
                 </a:solidFill>
@@ -13445,14 +13425,14 @@
           </a:ln>
           <a:extLst>
             <a:ext uri="{909E8E84-426E-40DD-AFC4-6F175D3DCCD1}">
-              <a14:hiddenFill xmlns:a14="http://schemas.microsoft.com/office/drawing/2010/main">
+              <a14:hiddenFill xmlns="" xmlns:a14="http://schemas.microsoft.com/office/drawing/2010/main">
                 <a:solidFill>
                   <a:srgbClr val="FFFFFF"/>
                 </a:solidFill>
               </a14:hiddenFill>
             </a:ext>
             <a:ext uri="{91240B29-F687-4F45-9708-019B960494DF}">
-              <a14:hiddenLine xmlns:a14="http://schemas.microsoft.com/office/drawing/2010/main" w="9525">
+              <a14:hiddenLine xmlns="" xmlns:a14="http://schemas.microsoft.com/office/drawing/2010/main" w="9525">
                 <a:solidFill>
                   <a:srgbClr val="000000"/>
                 </a:solidFill>
@@ -13488,7 +13468,7 @@
           <p:cNvPr id="2" name="文字方塊 1">
             <a:extLst>
               <a:ext uri="{FF2B5EF4-FFF2-40B4-BE49-F238E27FC236}">
-                <a16:creationId xmlns:a16="http://schemas.microsoft.com/office/drawing/2014/main" id="{BCBF8E11-6D7A-EA4A-B4BD-8F8836BF7B16}"/>
+                <a16:creationId xmlns="" xmlns:a16="http://schemas.microsoft.com/office/drawing/2014/main" id="{BCBF8E11-6D7A-EA4A-B4BD-8F8836BF7B16}"/>
               </a:ext>
             </a:extLst>
           </p:cNvPr>
@@ -13549,7 +13529,7 @@
           <p:cNvPr id="3" name="文字方塊 2">
             <a:extLst>
               <a:ext uri="{FF2B5EF4-FFF2-40B4-BE49-F238E27FC236}">
-                <a16:creationId xmlns:a16="http://schemas.microsoft.com/office/drawing/2014/main" id="{F1BAF00B-32C5-2F43-8876-B2CD4952A462}"/>
+                <a16:creationId xmlns="" xmlns:a16="http://schemas.microsoft.com/office/drawing/2014/main" id="{F1BAF00B-32C5-2F43-8876-B2CD4952A462}"/>
               </a:ext>
             </a:extLst>
           </p:cNvPr>
@@ -13589,7 +13569,7 @@
           <p:cNvPr id="4" name="文字方塊 3">
             <a:extLst>
               <a:ext uri="{FF2B5EF4-FFF2-40B4-BE49-F238E27FC236}">
-                <a16:creationId xmlns:a16="http://schemas.microsoft.com/office/drawing/2014/main" id="{7BDF9010-2479-F444-83C2-C11BBFAC0428}"/>
+                <a16:creationId xmlns="" xmlns:a16="http://schemas.microsoft.com/office/drawing/2014/main" id="{7BDF9010-2479-F444-83C2-C11BBFAC0428}"/>
               </a:ext>
             </a:extLst>
           </p:cNvPr>
@@ -13629,7 +13609,7 @@
           <p:cNvPr id="5" name="文字方塊 4">
             <a:extLst>
               <a:ext uri="{FF2B5EF4-FFF2-40B4-BE49-F238E27FC236}">
-                <a16:creationId xmlns:a16="http://schemas.microsoft.com/office/drawing/2014/main" id="{A5046661-D33F-D54D-8ACB-FA2269BC0D10}"/>
+                <a16:creationId xmlns="" xmlns:a16="http://schemas.microsoft.com/office/drawing/2014/main" id="{A5046661-D33F-D54D-8ACB-FA2269BC0D10}"/>
               </a:ext>
             </a:extLst>
           </p:cNvPr>
@@ -13704,7 +13684,7 @@
     </p:spTree>
     <p:extLst>
       <p:ext uri="{BB962C8B-B14F-4D97-AF65-F5344CB8AC3E}">
-        <p14:creationId xmlns:p14="http://schemas.microsoft.com/office/powerpoint/2010/main" val="4248763300"/>
+        <p14:creationId xmlns="" xmlns:p14="http://schemas.microsoft.com/office/powerpoint/2010/main" val="4248763300"/>
       </p:ext>
     </p:extLst>
   </p:cSld>
@@ -13863,7 +13843,7 @@
           </a:ln>
           <a:extLst>
             <a:ext uri="{91240B29-F687-4F45-9708-019B960494DF}">
-              <a14:hiddenLine xmlns:a14="http://schemas.microsoft.com/office/drawing/2010/main" w="9525">
+              <a14:hiddenLine xmlns="" xmlns:a14="http://schemas.microsoft.com/office/drawing/2010/main" w="9525">
                 <a:solidFill>
                   <a:srgbClr val="000000"/>
                 </a:solidFill>
@@ -13898,7 +13878,7 @@
           <a:blip r:embed="rId2">
             <a:extLst>
               <a:ext uri="{28A0092B-C50C-407E-A947-70E740481C1C}">
-                <a14:useLocalDpi xmlns:a14="http://schemas.microsoft.com/office/drawing/2010/main" val="0"/>
+                <a14:useLocalDpi xmlns="" xmlns:a14="http://schemas.microsoft.com/office/drawing/2010/main" val="0"/>
               </a:ext>
             </a:extLst>
           </a:blip>
@@ -13921,14 +13901,14 @@
           </a:ln>
           <a:extLst>
             <a:ext uri="{909E8E84-426E-40DD-AFC4-6F175D3DCCD1}">
-              <a14:hiddenFill xmlns:a14="http://schemas.microsoft.com/office/drawing/2010/main">
+              <a14:hiddenFill xmlns="" xmlns:a14="http://schemas.microsoft.com/office/drawing/2010/main">
                 <a:solidFill>
                   <a:srgbClr val="FFFFFF"/>
                 </a:solidFill>
               </a14:hiddenFill>
             </a:ext>
             <a:ext uri="{91240B29-F687-4F45-9708-019B960494DF}">
-              <a14:hiddenLine xmlns:a14="http://schemas.microsoft.com/office/drawing/2010/main" w="9525">
+              <a14:hiddenLine xmlns="" xmlns:a14="http://schemas.microsoft.com/office/drawing/2010/main" w="9525">
                 <a:solidFill>
                   <a:srgbClr val="000000"/>
                 </a:solidFill>
@@ -13949,10 +13929,10 @@
           <p:nvPr/>
         </p:nvPicPr>
         <p:blipFill>
-          <a:blip r:embed="rId2">
+          <a:blip r:embed="rId3">
             <a:extLst>
               <a:ext uri="{28A0092B-C50C-407E-A947-70E740481C1C}">
-                <a14:useLocalDpi xmlns:a14="http://schemas.microsoft.com/office/drawing/2010/main" val="0"/>
+                <a14:useLocalDpi xmlns="" xmlns:a14="http://schemas.microsoft.com/office/drawing/2010/main" val="0"/>
               </a:ext>
             </a:extLst>
           </a:blip>
@@ -13975,14 +13955,14 @@
           </a:ln>
           <a:extLst>
             <a:ext uri="{909E8E84-426E-40DD-AFC4-6F175D3DCCD1}">
-              <a14:hiddenFill xmlns:a14="http://schemas.microsoft.com/office/drawing/2010/main">
+              <a14:hiddenFill xmlns="" xmlns:a14="http://schemas.microsoft.com/office/drawing/2010/main">
                 <a:solidFill>
                   <a:srgbClr val="FFFFFF"/>
                 </a:solidFill>
               </a14:hiddenFill>
             </a:ext>
             <a:ext uri="{91240B29-F687-4F45-9708-019B960494DF}">
-              <a14:hiddenLine xmlns:a14="http://schemas.microsoft.com/office/drawing/2010/main" w="9525">
+              <a14:hiddenLine xmlns="" xmlns:a14="http://schemas.microsoft.com/office/drawing/2010/main" w="9525">
                 <a:solidFill>
                   <a:srgbClr val="000000"/>
                 </a:solidFill>
@@ -14021,7 +14001,7 @@
           </a:ln>
           <a:extLst>
             <a:ext uri="{909E8E84-426E-40DD-AFC4-6F175D3DCCD1}">
-              <a14:hiddenFill xmlns:a14="http://schemas.microsoft.com/office/drawing/2010/main">
+              <a14:hiddenFill xmlns="" xmlns:a14="http://schemas.microsoft.com/office/drawing/2010/main">
                 <a:noFill/>
               </a14:hiddenFill>
             </a:ext>
@@ -14062,7 +14042,7 @@
           </a:ln>
           <a:extLst>
             <a:ext uri="{91240B29-F687-4F45-9708-019B960494DF}">
-              <a14:hiddenLine xmlns:a14="http://schemas.microsoft.com/office/drawing/2010/main" w="9525">
+              <a14:hiddenLine xmlns="" xmlns:a14="http://schemas.microsoft.com/office/drawing/2010/main" w="9525">
                 <a:solidFill>
                   <a:srgbClr val="000000"/>
                 </a:solidFill>
@@ -14112,7 +14092,7 @@
           </a:ln>
           <a:extLst>
             <a:ext uri="{91240B29-F687-4F45-9708-019B960494DF}">
-              <a14:hiddenLine xmlns:a14="http://schemas.microsoft.com/office/drawing/2010/main" w="9525">
+              <a14:hiddenLine xmlns="" xmlns:a14="http://schemas.microsoft.com/office/drawing/2010/main" w="9525">
                 <a:solidFill>
                   <a:srgbClr val="000000"/>
                 </a:solidFill>
@@ -14143,7 +14123,7 @@
           <p:cNvPr id="2" name="文字方塊 1">
             <a:extLst>
               <a:ext uri="{FF2B5EF4-FFF2-40B4-BE49-F238E27FC236}">
-                <a16:creationId xmlns:a16="http://schemas.microsoft.com/office/drawing/2014/main" id="{DD2A17C0-27CE-BD47-AE17-C916235CC8DD}"/>
+                <a16:creationId xmlns="" xmlns:a16="http://schemas.microsoft.com/office/drawing/2014/main" id="{DD2A17C0-27CE-BD47-AE17-C916235CC8DD}"/>
               </a:ext>
             </a:extLst>
           </p:cNvPr>
@@ -14183,7 +14163,7 @@
     </p:spTree>
     <p:extLst>
       <p:ext uri="{BB962C8B-B14F-4D97-AF65-F5344CB8AC3E}">
-        <p14:creationId xmlns:p14="http://schemas.microsoft.com/office/powerpoint/2010/main" val="1300099578"/>
+        <p14:creationId xmlns="" xmlns:p14="http://schemas.microsoft.com/office/powerpoint/2010/main" val="1300099578"/>
       </p:ext>
     </p:extLst>
   </p:cSld>
@@ -14234,7 +14214,7 @@
           </a:ln>
           <a:extLst>
             <a:ext uri="{91240B29-F687-4F45-9708-019B960494DF}">
-              <a14:hiddenLine xmlns:a14="http://schemas.microsoft.com/office/drawing/2010/main" w="9525">
+              <a14:hiddenLine xmlns="" xmlns:a14="http://schemas.microsoft.com/office/drawing/2010/main" w="9525">
                 <a:solidFill>
                   <a:srgbClr val="000000"/>
                 </a:solidFill>
@@ -14284,7 +14264,7 @@
           </a:ln>
           <a:extLst>
             <a:ext uri="{91240B29-F687-4F45-9708-019B960494DF}">
-              <a14:hiddenLine xmlns:a14="http://schemas.microsoft.com/office/drawing/2010/main" w="9525">
+              <a14:hiddenLine xmlns="" xmlns:a14="http://schemas.microsoft.com/office/drawing/2010/main" w="9525">
                 <a:solidFill>
                   <a:srgbClr val="000000"/>
                 </a:solidFill>
@@ -14334,7 +14314,7 @@
           </a:ln>
           <a:extLst>
             <a:ext uri="{91240B29-F687-4F45-9708-019B960494DF}">
-              <a14:hiddenLine xmlns:a14="http://schemas.microsoft.com/office/drawing/2010/main" w="9525">
+              <a14:hiddenLine xmlns="" xmlns:a14="http://schemas.microsoft.com/office/drawing/2010/main" w="9525">
                 <a:solidFill>
                   <a:srgbClr val="000000"/>
                 </a:solidFill>
@@ -14382,14 +14362,14 @@
           </a:ln>
           <a:extLst>
             <a:ext uri="{909E8E84-426E-40DD-AFC4-6F175D3DCCD1}">
-              <a14:hiddenFill xmlns:a14="http://schemas.microsoft.com/office/drawing/2010/main">
+              <a14:hiddenFill xmlns="" xmlns:a14="http://schemas.microsoft.com/office/drawing/2010/main">
                 <a:solidFill>
                   <a:srgbClr val="FFFFFF"/>
                 </a:solidFill>
               </a14:hiddenFill>
             </a:ext>
             <a:ext uri="{91240B29-F687-4F45-9708-019B960494DF}">
-              <a14:hiddenLine xmlns:a14="http://schemas.microsoft.com/office/drawing/2010/main" w="9525">
+              <a14:hiddenLine xmlns="" xmlns:a14="http://schemas.microsoft.com/office/drawing/2010/main" w="9525">
                 <a:solidFill>
                   <a:srgbClr val="000000"/>
                 </a:solidFill>
@@ -14466,7 +14446,7 @@
     </p:spTree>
     <p:extLst>
       <p:ext uri="{BB962C8B-B14F-4D97-AF65-F5344CB8AC3E}">
-        <p14:creationId xmlns:p14="http://schemas.microsoft.com/office/powerpoint/2010/main" val="2498658988"/>
+        <p14:creationId xmlns="" xmlns:p14="http://schemas.microsoft.com/office/powerpoint/2010/main" val="2498658988"/>
       </p:ext>
     </p:extLst>
   </p:cSld>
@@ -14517,7 +14497,7 @@
           </a:ln>
           <a:extLst>
             <a:ext uri="{91240B29-F687-4F45-9708-019B960494DF}">
-              <a14:hiddenLine xmlns:a14="http://schemas.microsoft.com/office/drawing/2010/main" w="9525">
+              <a14:hiddenLine xmlns="" xmlns:a14="http://schemas.microsoft.com/office/drawing/2010/main" w="9525">
                 <a:solidFill>
                   <a:srgbClr val="000000"/>
                 </a:solidFill>
@@ -14567,7 +14547,7 @@
           </a:ln>
           <a:extLst>
             <a:ext uri="{91240B29-F687-4F45-9708-019B960494DF}">
-              <a14:hiddenLine xmlns:a14="http://schemas.microsoft.com/office/drawing/2010/main" w="9525">
+              <a14:hiddenLine xmlns="" xmlns:a14="http://schemas.microsoft.com/office/drawing/2010/main" w="9525">
                 <a:solidFill>
                   <a:srgbClr val="000000"/>
                 </a:solidFill>
@@ -14617,7 +14597,7 @@
           </a:ln>
           <a:extLst>
             <a:ext uri="{91240B29-F687-4F45-9708-019B960494DF}">
-              <a14:hiddenLine xmlns:a14="http://schemas.microsoft.com/office/drawing/2010/main" w="9525">
+              <a14:hiddenLine xmlns="" xmlns:a14="http://schemas.microsoft.com/office/drawing/2010/main" w="9525">
                 <a:solidFill>
                   <a:srgbClr val="000000"/>
                 </a:solidFill>
@@ -14665,14 +14645,14 @@
           </a:ln>
           <a:extLst>
             <a:ext uri="{909E8E84-426E-40DD-AFC4-6F175D3DCCD1}">
-              <a14:hiddenFill xmlns:a14="http://schemas.microsoft.com/office/drawing/2010/main">
+              <a14:hiddenFill xmlns="" xmlns:a14="http://schemas.microsoft.com/office/drawing/2010/main">
                 <a:solidFill>
                   <a:srgbClr val="FFFFFF"/>
                 </a:solidFill>
               </a14:hiddenFill>
             </a:ext>
             <a:ext uri="{91240B29-F687-4F45-9708-019B960494DF}">
-              <a14:hiddenLine xmlns:a14="http://schemas.microsoft.com/office/drawing/2010/main" w="9525">
+              <a14:hiddenLine xmlns="" xmlns:a14="http://schemas.microsoft.com/office/drawing/2010/main" w="9525">
                 <a:solidFill>
                   <a:srgbClr val="000000"/>
                 </a:solidFill>
@@ -14720,7 +14700,7 @@
           <p:nvPr>
             <p:extLst>
               <p:ext uri="{D42A27DB-BD31-4B8C-83A1-F6EECF244321}">
-                <p14:modId xmlns:p14="http://schemas.microsoft.com/office/powerpoint/2010/main" val="700816132"/>
+                <p14:modId xmlns="" xmlns:p14="http://schemas.microsoft.com/office/powerpoint/2010/main" val="700816132"/>
               </p:ext>
             </p:extLst>
           </p:nvPr>
@@ -14739,21 +14719,21 @@
                 <a:gridCol w="2465152">
                   <a:extLst>
                     <a:ext uri="{9D8B030D-6E8A-4147-A177-3AD203B41FA5}">
-                      <a16:colId xmlns:a16="http://schemas.microsoft.com/office/drawing/2014/main" val="2488419661"/>
+                      <a16:colId xmlns="" xmlns:a16="http://schemas.microsoft.com/office/drawing/2014/main" val="2488419661"/>
                     </a:ext>
                   </a:extLst>
                 </a:gridCol>
                 <a:gridCol w="3771917">
                   <a:extLst>
                     <a:ext uri="{9D8B030D-6E8A-4147-A177-3AD203B41FA5}">
-                      <a16:colId xmlns:a16="http://schemas.microsoft.com/office/drawing/2014/main" val="4265624596"/>
+                      <a16:colId xmlns="" xmlns:a16="http://schemas.microsoft.com/office/drawing/2014/main" val="4265624596"/>
                     </a:ext>
                   </a:extLst>
                 </a:gridCol>
                 <a:gridCol w="3771917">
                   <a:extLst>
                     <a:ext uri="{9D8B030D-6E8A-4147-A177-3AD203B41FA5}">
-                      <a16:colId xmlns:a16="http://schemas.microsoft.com/office/drawing/2014/main" val="2239474680"/>
+                      <a16:colId xmlns="" xmlns:a16="http://schemas.microsoft.com/office/drawing/2014/main" val="2239474680"/>
                     </a:ext>
                   </a:extLst>
                 </a:gridCol>
@@ -14836,7 +14816,7 @@
                 </a:tc>
                 <a:extLst>
                   <a:ext uri="{0D108BD9-81ED-4DB2-BD59-A6C34878D82A}">
-                    <a16:rowId xmlns:a16="http://schemas.microsoft.com/office/drawing/2014/main" val="3636498233"/>
+                    <a16:rowId xmlns="" xmlns:a16="http://schemas.microsoft.com/office/drawing/2014/main" val="3636498233"/>
                   </a:ext>
                 </a:extLst>
               </a:tr>
@@ -14930,7 +14910,7 @@
                 </a:tc>
                 <a:extLst>
                   <a:ext uri="{0D108BD9-81ED-4DB2-BD59-A6C34878D82A}">
-                    <a16:rowId xmlns:a16="http://schemas.microsoft.com/office/drawing/2014/main" val="2975548446"/>
+                    <a16:rowId xmlns="" xmlns:a16="http://schemas.microsoft.com/office/drawing/2014/main" val="2975548446"/>
                   </a:ext>
                 </a:extLst>
               </a:tr>
@@ -15009,7 +14989,7 @@
                 </a:tc>
                 <a:extLst>
                   <a:ext uri="{0D108BD9-81ED-4DB2-BD59-A6C34878D82A}">
-                    <a16:rowId xmlns:a16="http://schemas.microsoft.com/office/drawing/2014/main" val="3067645633"/>
+                    <a16:rowId xmlns="" xmlns:a16="http://schemas.microsoft.com/office/drawing/2014/main" val="3067645633"/>
                   </a:ext>
                 </a:extLst>
               </a:tr>
@@ -15103,7 +15083,7 @@
                 </a:tc>
                 <a:extLst>
                   <a:ext uri="{0D108BD9-81ED-4DB2-BD59-A6C34878D82A}">
-                    <a16:rowId xmlns:a16="http://schemas.microsoft.com/office/drawing/2014/main" val="2763026459"/>
+                    <a16:rowId xmlns="" xmlns:a16="http://schemas.microsoft.com/office/drawing/2014/main" val="2763026459"/>
                   </a:ext>
                 </a:extLst>
               </a:tr>
@@ -15182,7 +15162,7 @@
                 </a:tc>
                 <a:extLst>
                   <a:ext uri="{0D108BD9-81ED-4DB2-BD59-A6C34878D82A}">
-                    <a16:rowId xmlns:a16="http://schemas.microsoft.com/office/drawing/2014/main" val="1471330778"/>
+                    <a16:rowId xmlns="" xmlns:a16="http://schemas.microsoft.com/office/drawing/2014/main" val="1471330778"/>
                   </a:ext>
                 </a:extLst>
               </a:tr>
@@ -15276,7 +15256,7 @@
                 </a:tc>
                 <a:extLst>
                   <a:ext uri="{0D108BD9-81ED-4DB2-BD59-A6C34878D82A}">
-                    <a16:rowId xmlns:a16="http://schemas.microsoft.com/office/drawing/2014/main" val="1515433878"/>
+                    <a16:rowId xmlns="" xmlns:a16="http://schemas.microsoft.com/office/drawing/2014/main" val="1515433878"/>
                   </a:ext>
                 </a:extLst>
               </a:tr>
@@ -15287,7 +15267,7 @@
     </p:spTree>
     <p:extLst>
       <p:ext uri="{BB962C8B-B14F-4D97-AF65-F5344CB8AC3E}">
-        <p14:creationId xmlns:p14="http://schemas.microsoft.com/office/powerpoint/2010/main" val="3970372333"/>
+        <p14:creationId xmlns="" xmlns:p14="http://schemas.microsoft.com/office/powerpoint/2010/main" val="3970372333"/>
       </p:ext>
     </p:extLst>
   </p:cSld>
@@ -15345,7 +15325,7 @@
           </a:ln>
           <a:extLst>
             <a:ext uri="{91240B29-F687-4F45-9708-019B960494DF}">
-              <a14:hiddenLine xmlns:a14="http://schemas.microsoft.com/office/drawing/2010/main" w="9525">
+              <a14:hiddenLine xmlns="" xmlns:a14="http://schemas.microsoft.com/office/drawing/2010/main" w="9525">
                 <a:solidFill>
                   <a:srgbClr val="000000"/>
                 </a:solidFill>
@@ -15395,7 +15375,7 @@
           </a:ln>
           <a:extLst>
             <a:ext uri="{91240B29-F687-4F45-9708-019B960494DF}">
-              <a14:hiddenLine xmlns:a14="http://schemas.microsoft.com/office/drawing/2010/main" w="9525">
+              <a14:hiddenLine xmlns="" xmlns:a14="http://schemas.microsoft.com/office/drawing/2010/main" w="9525">
                 <a:solidFill>
                   <a:srgbClr val="000000"/>
                 </a:solidFill>
@@ -15445,7 +15425,7 @@
           </a:ln>
           <a:extLst>
             <a:ext uri="{91240B29-F687-4F45-9708-019B960494DF}">
-              <a14:hiddenLine xmlns:a14="http://schemas.microsoft.com/office/drawing/2010/main" w="9525">
+              <a14:hiddenLine xmlns="" xmlns:a14="http://schemas.microsoft.com/office/drawing/2010/main" w="9525">
                 <a:solidFill>
                   <a:srgbClr val="000000"/>
                 </a:solidFill>
@@ -15493,14 +15473,14 @@
           </a:ln>
           <a:extLst>
             <a:ext uri="{909E8E84-426E-40DD-AFC4-6F175D3DCCD1}">
-              <a14:hiddenFill xmlns:a14="http://schemas.microsoft.com/office/drawing/2010/main">
+              <a14:hiddenFill xmlns="" xmlns:a14="http://schemas.microsoft.com/office/drawing/2010/main">
                 <a:solidFill>
                   <a:srgbClr val="FFFFFF"/>
                 </a:solidFill>
               </a14:hiddenFill>
             </a:ext>
             <a:ext uri="{91240B29-F687-4F45-9708-019B960494DF}">
-              <a14:hiddenLine xmlns:a14="http://schemas.microsoft.com/office/drawing/2010/main" w="9525">
+              <a14:hiddenLine xmlns="" xmlns:a14="http://schemas.microsoft.com/office/drawing/2010/main" w="9525">
                 <a:solidFill>
                   <a:srgbClr val="000000"/>
                 </a:solidFill>
@@ -15547,7 +15527,7 @@
           <p:cNvPr id="3" name="圖片 2">
             <a:extLst>
               <a:ext uri="{FF2B5EF4-FFF2-40B4-BE49-F238E27FC236}">
-                <a16:creationId xmlns:a16="http://schemas.microsoft.com/office/drawing/2014/main" id="{E17CECA0-0202-C340-A945-0AED6CEFC6C0}"/>
+                <a16:creationId xmlns="" xmlns:a16="http://schemas.microsoft.com/office/drawing/2014/main" id="{E17CECA0-0202-C340-A945-0AED6CEFC6C0}"/>
               </a:ext>
             </a:extLst>
           </p:cNvPr>
@@ -15560,7 +15540,7 @@
           <a:blip r:embed="rId2">
             <a:extLst>
               <a:ext uri="{28A0092B-C50C-407E-A947-70E740481C1C}">
-                <a14:useLocalDpi xmlns:a14="http://schemas.microsoft.com/office/drawing/2010/main" val="0"/>
+                <a14:useLocalDpi xmlns="" xmlns:a14="http://schemas.microsoft.com/office/drawing/2010/main" val="0"/>
               </a:ext>
             </a:extLst>
           </a:blip>
@@ -15583,7 +15563,7 @@
           <p:cNvPr id="5" name="圖片 4">
             <a:extLst>
               <a:ext uri="{FF2B5EF4-FFF2-40B4-BE49-F238E27FC236}">
-                <a16:creationId xmlns:a16="http://schemas.microsoft.com/office/drawing/2014/main" id="{B2B6FBAE-306A-6943-B86F-AE5F9BDB5302}"/>
+                <a16:creationId xmlns="" xmlns:a16="http://schemas.microsoft.com/office/drawing/2014/main" id="{B2B6FBAE-306A-6943-B86F-AE5F9BDB5302}"/>
               </a:ext>
             </a:extLst>
           </p:cNvPr>
@@ -15596,7 +15576,7 @@
           <a:blip r:embed="rId3">
             <a:extLst>
               <a:ext uri="{28A0092B-C50C-407E-A947-70E740481C1C}">
-                <a14:useLocalDpi xmlns:a14="http://schemas.microsoft.com/office/drawing/2010/main" val="0"/>
+                <a14:useLocalDpi xmlns="" xmlns:a14="http://schemas.microsoft.com/office/drawing/2010/main" val="0"/>
               </a:ext>
             </a:extLst>
           </a:blip>
@@ -15619,7 +15599,7 @@
           <p:cNvPr id="9" name="橢圓 8">
             <a:extLst>
               <a:ext uri="{FF2B5EF4-FFF2-40B4-BE49-F238E27FC236}">
-                <a16:creationId xmlns:a16="http://schemas.microsoft.com/office/drawing/2014/main" id="{2C072F4A-58AD-FE47-A4B0-F535B0524FC8}"/>
+                <a16:creationId xmlns="" xmlns:a16="http://schemas.microsoft.com/office/drawing/2014/main" id="{2C072F4A-58AD-FE47-A4B0-F535B0524FC8}"/>
               </a:ext>
             </a:extLst>
           </p:cNvPr>
@@ -15689,7 +15669,7 @@
           <p:cNvPr id="14" name="橢圓 13">
             <a:extLst>
               <a:ext uri="{FF2B5EF4-FFF2-40B4-BE49-F238E27FC236}">
-                <a16:creationId xmlns:a16="http://schemas.microsoft.com/office/drawing/2014/main" id="{873B1AE7-B5A3-F34C-AE00-28C2360B723D}"/>
+                <a16:creationId xmlns="" xmlns:a16="http://schemas.microsoft.com/office/drawing/2014/main" id="{873B1AE7-B5A3-F34C-AE00-28C2360B723D}"/>
               </a:ext>
             </a:extLst>
           </p:cNvPr>
@@ -15859,7 +15839,7 @@
     </p:spTree>
     <p:extLst>
       <p:ext uri="{BB962C8B-B14F-4D97-AF65-F5344CB8AC3E}">
-        <p14:creationId xmlns:p14="http://schemas.microsoft.com/office/powerpoint/2010/main" val="2478182292"/>
+        <p14:creationId xmlns="" xmlns:p14="http://schemas.microsoft.com/office/powerpoint/2010/main" val="2478182292"/>
       </p:ext>
     </p:extLst>
   </p:cSld>
@@ -16326,7 +16306,7 @@
           </a:ln>
           <a:extLst>
             <a:ext uri="{91240B29-F687-4F45-9708-019B960494DF}">
-              <a14:hiddenLine xmlns:a14="http://schemas.microsoft.com/office/drawing/2010/main" w="9525">
+              <a14:hiddenLine xmlns="" xmlns:a14="http://schemas.microsoft.com/office/drawing/2010/main" w="9525">
                 <a:solidFill>
                   <a:srgbClr val="000000"/>
                 </a:solidFill>
@@ -16361,7 +16341,7 @@
           <a:blip r:embed="rId2">
             <a:extLst>
               <a:ext uri="{28A0092B-C50C-407E-A947-70E740481C1C}">
-                <a14:useLocalDpi xmlns:a14="http://schemas.microsoft.com/office/drawing/2010/main" val="0"/>
+                <a14:useLocalDpi xmlns="" xmlns:a14="http://schemas.microsoft.com/office/drawing/2010/main" val="0"/>
               </a:ext>
             </a:extLst>
           </a:blip>
@@ -16384,14 +16364,14 @@
           </a:ln>
           <a:extLst>
             <a:ext uri="{909E8E84-426E-40DD-AFC4-6F175D3DCCD1}">
-              <a14:hiddenFill xmlns:a14="http://schemas.microsoft.com/office/drawing/2010/main">
+              <a14:hiddenFill xmlns="" xmlns:a14="http://schemas.microsoft.com/office/drawing/2010/main">
                 <a:solidFill>
                   <a:srgbClr val="FFFFFF"/>
                 </a:solidFill>
               </a14:hiddenFill>
             </a:ext>
             <a:ext uri="{91240B29-F687-4F45-9708-019B960494DF}">
-              <a14:hiddenLine xmlns:a14="http://schemas.microsoft.com/office/drawing/2010/main" w="9525">
+              <a14:hiddenLine xmlns="" xmlns:a14="http://schemas.microsoft.com/office/drawing/2010/main" w="9525">
                 <a:solidFill>
                   <a:srgbClr val="000000"/>
                 </a:solidFill>
@@ -16412,10 +16392,10 @@
           <p:nvPr/>
         </p:nvPicPr>
         <p:blipFill>
-          <a:blip r:embed="rId2">
+          <a:blip r:embed="rId3">
             <a:extLst>
               <a:ext uri="{28A0092B-C50C-407E-A947-70E740481C1C}">
-                <a14:useLocalDpi xmlns:a14="http://schemas.microsoft.com/office/drawing/2010/main" val="0"/>
+                <a14:useLocalDpi xmlns="" xmlns:a14="http://schemas.microsoft.com/office/drawing/2010/main" val="0"/>
               </a:ext>
             </a:extLst>
           </a:blip>
@@ -16438,14 +16418,14 @@
           </a:ln>
           <a:extLst>
             <a:ext uri="{909E8E84-426E-40DD-AFC4-6F175D3DCCD1}">
-              <a14:hiddenFill xmlns:a14="http://schemas.microsoft.com/office/drawing/2010/main">
+              <a14:hiddenFill xmlns="" xmlns:a14="http://schemas.microsoft.com/office/drawing/2010/main">
                 <a:solidFill>
                   <a:srgbClr val="FFFFFF"/>
                 </a:solidFill>
               </a14:hiddenFill>
             </a:ext>
             <a:ext uri="{91240B29-F687-4F45-9708-019B960494DF}">
-              <a14:hiddenLine xmlns:a14="http://schemas.microsoft.com/office/drawing/2010/main" w="9525">
+              <a14:hiddenLine xmlns="" xmlns:a14="http://schemas.microsoft.com/office/drawing/2010/main" w="9525">
                 <a:solidFill>
                   <a:srgbClr val="000000"/>
                 </a:solidFill>
@@ -16484,7 +16464,7 @@
           </a:ln>
           <a:extLst>
             <a:ext uri="{909E8E84-426E-40DD-AFC4-6F175D3DCCD1}">
-              <a14:hiddenFill xmlns:a14="http://schemas.microsoft.com/office/drawing/2010/main">
+              <a14:hiddenFill xmlns="" xmlns:a14="http://schemas.microsoft.com/office/drawing/2010/main">
                 <a:noFill/>
               </a14:hiddenFill>
             </a:ext>
@@ -16525,7 +16505,7 @@
           </a:ln>
           <a:extLst>
             <a:ext uri="{91240B29-F687-4F45-9708-019B960494DF}">
-              <a14:hiddenLine xmlns:a14="http://schemas.microsoft.com/office/drawing/2010/main" w="9525">
+              <a14:hiddenLine xmlns="" xmlns:a14="http://schemas.microsoft.com/office/drawing/2010/main" w="9525">
                 <a:solidFill>
                   <a:srgbClr val="000000"/>
                 </a:solidFill>
@@ -16575,7 +16555,7 @@
           </a:ln>
           <a:extLst>
             <a:ext uri="{91240B29-F687-4F45-9708-019B960494DF}">
-              <a14:hiddenLine xmlns:a14="http://schemas.microsoft.com/office/drawing/2010/main" w="9525">
+              <a14:hiddenLine xmlns="" xmlns:a14="http://schemas.microsoft.com/office/drawing/2010/main" w="9525">
                 <a:solidFill>
                   <a:srgbClr val="000000"/>
                 </a:solidFill>
@@ -16606,7 +16586,7 @@
           <p:cNvPr id="2" name="文字方塊 1">
             <a:extLst>
               <a:ext uri="{FF2B5EF4-FFF2-40B4-BE49-F238E27FC236}">
-                <a16:creationId xmlns:a16="http://schemas.microsoft.com/office/drawing/2014/main" id="{DD2A17C0-27CE-BD47-AE17-C916235CC8DD}"/>
+                <a16:creationId xmlns="" xmlns:a16="http://schemas.microsoft.com/office/drawing/2014/main" id="{DD2A17C0-27CE-BD47-AE17-C916235CC8DD}"/>
               </a:ext>
             </a:extLst>
           </p:cNvPr>
@@ -16646,7 +16626,7 @@
     </p:spTree>
     <p:extLst>
       <p:ext uri="{BB962C8B-B14F-4D97-AF65-F5344CB8AC3E}">
-        <p14:creationId xmlns:p14="http://schemas.microsoft.com/office/powerpoint/2010/main" val="354972758"/>
+        <p14:creationId xmlns="" xmlns:p14="http://schemas.microsoft.com/office/powerpoint/2010/main" val="354972758"/>
       </p:ext>
     </p:extLst>
   </p:cSld>
@@ -16906,7 +16886,7 @@
         <a:effectLst/>
         <a:extLst>
           <a:ext uri="{AF507438-7753-43E0-B8FC-AC1667EBCBE1}">
-            <a14:hiddenEffects xmlns:a14="http://schemas.microsoft.com/office/drawing/2010/main">
+            <a14:hiddenEffects xmlns="" xmlns:a14="http://schemas.microsoft.com/office/drawing/2010/main">
               <a:effectLst>
                 <a:outerShdw dist="35921" dir="2700000" algn="ctr" rotWithShape="0">
                   <a:schemeClr val="bg2"/>
@@ -16980,7 +16960,7 @@
         <a:effectLst/>
         <a:extLst>
           <a:ext uri="{AF507438-7753-43E0-B8FC-AC1667EBCBE1}">
-            <a14:hiddenEffects xmlns:a14="http://schemas.microsoft.com/office/drawing/2010/main">
+            <a14:hiddenEffects xmlns="" xmlns:a14="http://schemas.microsoft.com/office/drawing/2010/main">
               <a:effectLst>
                 <a:outerShdw dist="35921" dir="2700000" algn="ctr" rotWithShape="0">
                   <a:schemeClr val="bg2"/>
